--- a/成果発表_9班訂正後.pptx
+++ b/成果発表_9班訂正後.pptx
@@ -18,15 +18,15 @@
     <p:sldId id="312" r:id="rId9"/>
     <p:sldId id="313" r:id="rId10"/>
     <p:sldId id="322" r:id="rId11"/>
-    <p:sldId id="314" r:id="rId12"/>
-    <p:sldId id="323" r:id="rId13"/>
-    <p:sldId id="325" r:id="rId14"/>
-    <p:sldId id="328" r:id="rId15"/>
-    <p:sldId id="329" r:id="rId16"/>
-    <p:sldId id="327" r:id="rId17"/>
-    <p:sldId id="256" r:id="rId18"/>
-    <p:sldId id="320" r:id="rId19"/>
-    <p:sldId id="315" r:id="rId20"/>
+    <p:sldId id="315" r:id="rId12"/>
+    <p:sldId id="314" r:id="rId13"/>
+    <p:sldId id="323" r:id="rId14"/>
+    <p:sldId id="325" r:id="rId15"/>
+    <p:sldId id="328" r:id="rId16"/>
+    <p:sldId id="329" r:id="rId17"/>
+    <p:sldId id="327" r:id="rId18"/>
+    <p:sldId id="256" r:id="rId19"/>
+    <p:sldId id="320" r:id="rId20"/>
     <p:sldId id="336" r:id="rId21"/>
     <p:sldId id="316" r:id="rId22"/>
     <p:sldId id="317" r:id="rId23"/>
@@ -358,7 +358,7 @@
           <a:p>
             <a:fld id="{F22FAB49-A067-4DE0-AC53-8F4BF4203618}" type="datetimeFigureOut">
               <a:rPr lang="ko-KR" altLang="en-US" smtClean="0"/>
-              <a:t>2024. 5. 28.</a:t>
+              <a:t>2024. 5. 29.</a:t>
             </a:fld>
             <a:endParaRPr lang="ko-KR" altLang="en-US"/>
           </a:p>
@@ -1794,7 +1794,7 @@
     </p:spTree>
     <p:extLst>
       <p:ext uri="{BB962C8B-B14F-4D97-AF65-F5344CB8AC3E}">
-        <p14:creationId xmlns:p14="http://schemas.microsoft.com/office/powerpoint/2010/main" val="1708296864"/>
+        <p14:creationId xmlns:p14="http://schemas.microsoft.com/office/powerpoint/2010/main" val="2100283201"/>
       </p:ext>
     </p:extLst>
   </p:cSld>
@@ -1903,7 +1903,7 @@
     </p:spTree>
     <p:extLst>
       <p:ext uri="{BB962C8B-B14F-4D97-AF65-F5344CB8AC3E}">
-        <p14:creationId xmlns:p14="http://schemas.microsoft.com/office/powerpoint/2010/main" val="1271860608"/>
+        <p14:creationId xmlns:p14="http://schemas.microsoft.com/office/powerpoint/2010/main" val="1708296864"/>
       </p:ext>
     </p:extLst>
   </p:cSld>
@@ -2012,7 +2012,7 @@
     </p:spTree>
     <p:extLst>
       <p:ext uri="{BB962C8B-B14F-4D97-AF65-F5344CB8AC3E}">
-        <p14:creationId xmlns:p14="http://schemas.microsoft.com/office/powerpoint/2010/main" val="2100283201"/>
+        <p14:creationId xmlns:p14="http://schemas.microsoft.com/office/powerpoint/2010/main" val="1271860608"/>
       </p:ext>
     </p:extLst>
   </p:cSld>
@@ -27538,7 +27538,7 @@
           <a:p>
             <a:fld id="{C8D623D4-6FB5-427C-A52E-78F13E01133B}" type="datetimeFigureOut">
               <a:rPr lang="ko-KR" altLang="en-US" smtClean="0"/>
-              <a:t>2024. 5. 28.</a:t>
+              <a:t>2024. 5. 29.</a:t>
             </a:fld>
             <a:endParaRPr lang="ko-KR" altLang="en-US"/>
           </a:p>
@@ -28555,7 +28555,7 @@
           <a:p>
             <a:fld id="{64795B0B-7C01-4327-B770-FC58E7697A73}" type="datetimeFigureOut">
               <a:rPr lang="ko-KR" altLang="en-US" smtClean="0"/>
-              <a:t>2024. 5. 28.</a:t>
+              <a:t>2024. 5. 29.</a:t>
             </a:fld>
             <a:endParaRPr lang="ko-KR" altLang="en-US"/>
           </a:p>
@@ -28880,7 +28880,7 @@
           <a:p>
             <a:fld id="{C8D623D4-6FB5-427C-A52E-78F13E01133B}" type="datetimeFigureOut">
               <a:rPr lang="ko-KR" altLang="en-US" smtClean="0"/>
-              <a:t>2024. 5. 28.</a:t>
+              <a:t>2024. 5. 29.</a:t>
             </a:fld>
             <a:endParaRPr lang="ko-KR" altLang="en-US"/>
           </a:p>
@@ -29157,7 +29157,7 @@
           <a:p>
             <a:fld id="{64795B0B-7C01-4327-B770-FC58E7697A73}" type="datetimeFigureOut">
               <a:rPr lang="ko-KR" altLang="en-US" smtClean="0"/>
-              <a:t>2024. 5. 28.</a:t>
+              <a:t>2024. 5. 29.</a:t>
             </a:fld>
             <a:endParaRPr lang="ko-KR" altLang="en-US"/>
           </a:p>
@@ -29551,7 +29551,7 @@
           <a:p>
             <a:fld id="{64795B0B-7C01-4327-B770-FC58E7697A73}" type="datetimeFigureOut">
               <a:rPr lang="ko-KR" altLang="en-US" smtClean="0"/>
-              <a:t>2024. 5. 28.</a:t>
+              <a:t>2024. 5. 29.</a:t>
             </a:fld>
             <a:endParaRPr lang="ko-KR" altLang="en-US"/>
           </a:p>
@@ -30028,7 +30028,7 @@
           <a:p>
             <a:fld id="{64795B0B-7C01-4327-B770-FC58E7697A73}" type="datetimeFigureOut">
               <a:rPr lang="ko-KR" altLang="en-US" smtClean="0"/>
-              <a:t>2024. 5. 28.</a:t>
+              <a:t>2024. 5. 29.</a:t>
             </a:fld>
             <a:endParaRPr lang="ko-KR" altLang="en-US"/>
           </a:p>
@@ -30146,7 +30146,7 @@
           <a:p>
             <a:fld id="{64795B0B-7C01-4327-B770-FC58E7697A73}" type="datetimeFigureOut">
               <a:rPr lang="ko-KR" altLang="en-US" smtClean="0"/>
-              <a:t>2024. 5. 28.</a:t>
+              <a:t>2024. 5. 29.</a:t>
             </a:fld>
             <a:endParaRPr lang="ko-KR" altLang="en-US"/>
           </a:p>
@@ -30241,7 +30241,7 @@
           <a:p>
             <a:fld id="{64795B0B-7C01-4327-B770-FC58E7697A73}" type="datetimeFigureOut">
               <a:rPr lang="ko-KR" altLang="en-US" smtClean="0"/>
-              <a:t>2024. 5. 28.</a:t>
+              <a:t>2024. 5. 29.</a:t>
             </a:fld>
             <a:endParaRPr lang="ko-KR" altLang="en-US"/>
           </a:p>
@@ -30587,7 +30587,7 @@
           <a:p>
             <a:fld id="{64795B0B-7C01-4327-B770-FC58E7697A73}" type="datetimeFigureOut">
               <a:rPr lang="ko-KR" altLang="en-US" smtClean="0"/>
-              <a:t>2024. 5. 28.</a:t>
+              <a:t>2024. 5. 29.</a:t>
             </a:fld>
             <a:endParaRPr lang="ko-KR" altLang="en-US"/>
           </a:p>
@@ -30975,7 +30975,7 @@
           <a:p>
             <a:fld id="{64795B0B-7C01-4327-B770-FC58E7697A73}" type="datetimeFigureOut">
               <a:rPr lang="ko-KR" altLang="en-US" smtClean="0"/>
-              <a:t>2024. 5. 28.</a:t>
+              <a:t>2024. 5. 29.</a:t>
             </a:fld>
             <a:endParaRPr lang="ko-KR" altLang="en-US"/>
           </a:p>
@@ -31403,7 +31403,7 @@
           <a:p>
             <a:fld id="{64795B0B-7C01-4327-B770-FC58E7697A73}" type="datetimeFigureOut">
               <a:rPr lang="ko-KR" altLang="en-US" smtClean="0"/>
-              <a:t>2024. 5. 28.</a:t>
+              <a:t>2024. 5. 29.</a:t>
             </a:fld>
             <a:endParaRPr lang="ko-KR" altLang="en-US"/>
           </a:p>
@@ -31583,7 +31583,7 @@
           <a:p>
             <a:fld id="{64795B0B-7C01-4327-B770-FC58E7697A73}" type="datetimeFigureOut">
               <a:rPr lang="ko-KR" altLang="en-US" smtClean="0"/>
-              <a:t>2024. 5. 28.</a:t>
+              <a:t>2024. 5. 29.</a:t>
             </a:fld>
             <a:endParaRPr lang="ko-KR" altLang="en-US"/>
           </a:p>
@@ -37412,7 +37412,7 @@
             <a:fld id="{87DE6118-2437-4B30-8E3C-4D2BE6020583}" type="datetimeFigureOut">
               <a:rPr lang="en-US" dirty="0"/>
               <a:pPr/>
-              <a:t>5/28/24</a:t>
+              <a:t>5/29/24</a:t>
             </a:fld>
             <a:endParaRPr lang="en-US" dirty="0"/>
           </a:p>
@@ -38079,6 +38079,709 @@
 </file>
 
 <file path=ppt/slides/slide10.xml><?xml version="1.0" encoding="utf-8"?>
+<p:sld xmlns:a="http://schemas.openxmlformats.org/drawingml/2006/main" xmlns:r="http://schemas.openxmlformats.org/officeDocument/2006/relationships" xmlns:p="http://schemas.openxmlformats.org/presentationml/2006/main">
+  <p:cSld>
+    <p:spTree>
+      <p:nvGrpSpPr>
+        <p:cNvPr id="1" name="Shape 763"/>
+        <p:cNvGrpSpPr/>
+        <p:nvPr/>
+      </p:nvGrpSpPr>
+      <p:grpSpPr>
+        <a:xfrm>
+          <a:off x="0" y="0"/>
+          <a:ext cx="0" cy="0"/>
+          <a:chOff x="0" y="0"/>
+          <a:chExt cx="0" cy="0"/>
+        </a:xfrm>
+      </p:grpSpPr>
+      <p:sp>
+        <p:nvSpPr>
+          <p:cNvPr id="4" name="タイトル 3">
+            <a:extLst>
+              <a:ext uri="{FF2B5EF4-FFF2-40B4-BE49-F238E27FC236}">
+                <a16:creationId xmlns:a16="http://schemas.microsoft.com/office/drawing/2014/main" id="{4DC2AC1D-5C26-F65B-D4D4-B0FCAF03D5FB}"/>
+              </a:ext>
+            </a:extLst>
+          </p:cNvPr>
+          <p:cNvSpPr>
+            <a:spLocks noGrp="1"/>
+          </p:cNvSpPr>
+          <p:nvPr>
+            <p:ph type="title"/>
+          </p:nvPr>
+        </p:nvSpPr>
+        <p:spPr>
+          <a:xfrm>
+            <a:off x="901184" y="63896"/>
+            <a:ext cx="2023881" cy="763600"/>
+          </a:xfrm>
+        </p:spPr>
+        <p:txBody>
+          <a:bodyPr/>
+          <a:lstStyle/>
+          <a:p>
+            <a:pPr algn="l"/>
+            <a:r>
+              <a:rPr lang="ja-JP" altLang="en-US" sz="3733">
+                <a:latin typeface="MS PMincho" panose="02020600040205080304" pitchFamily="18" charset="-128"/>
+                <a:ea typeface="MS PMincho" panose="02020600040205080304" pitchFamily="18" charset="-128"/>
+              </a:rPr>
+              <a:t>設計</a:t>
+            </a:r>
+          </a:p>
+        </p:txBody>
+      </p:sp>
+      <p:pic>
+        <p:nvPicPr>
+          <p:cNvPr id="2" name="Picture 6" descr="室内イラスト｜無料イラスト・フリー素材なら「イラストAC」">
+            <a:extLst>
+              <a:ext uri="{FF2B5EF4-FFF2-40B4-BE49-F238E27FC236}">
+                <a16:creationId xmlns:a16="http://schemas.microsoft.com/office/drawing/2014/main" id="{4ADCE1DB-3F7A-A1DC-E38E-80FE24D70C94}"/>
+              </a:ext>
+            </a:extLst>
+          </p:cNvPr>
+          <p:cNvPicPr>
+            <a:picLocks noChangeAspect="1" noChangeArrowheads="1"/>
+          </p:cNvPicPr>
+          <p:nvPr/>
+        </p:nvPicPr>
+        <p:blipFill rotWithShape="1">
+          <a:blip r:embed="rId3">
+            <a:extLst>
+              <a:ext uri="{28A0092B-C50C-407E-A947-70E740481C1C}">
+                <a14:useLocalDpi xmlns:a14="http://schemas.microsoft.com/office/drawing/2010/main" val="0"/>
+              </a:ext>
+            </a:extLst>
+          </a:blip>
+          <a:srcRect l="28388" t="7611"/>
+          <a:stretch/>
+        </p:blipFill>
+        <p:spPr bwMode="auto">
+          <a:xfrm>
+            <a:off x="754663" y="1250580"/>
+            <a:ext cx="1729133" cy="1544765"/>
+          </a:xfrm>
+          <a:prstGeom prst="rect">
+            <a:avLst/>
+          </a:prstGeom>
+          <a:noFill/>
+          <a:extLst>
+            <a:ext uri="{909E8E84-426E-40DD-AFC4-6F175D3DCCD1}">
+              <a14:hiddenFill xmlns:a14="http://schemas.microsoft.com/office/drawing/2010/main">
+                <a:solidFill>
+                  <a:srgbClr val="FFFFFF"/>
+                </a:solidFill>
+              </a14:hiddenFill>
+            </a:ext>
+          </a:extLst>
+        </p:spPr>
+      </p:pic>
+      <p:pic>
+        <p:nvPicPr>
+          <p:cNvPr id="3" name="Picture 4" descr="Nature Remo 3（ネイチャーリモ3） – Nature公式サイト">
+            <a:extLst>
+              <a:ext uri="{FF2B5EF4-FFF2-40B4-BE49-F238E27FC236}">
+                <a16:creationId xmlns:a16="http://schemas.microsoft.com/office/drawing/2014/main" id="{0ABDDDB8-710E-135A-CE56-ADD60801D8BF}"/>
+              </a:ext>
+            </a:extLst>
+          </p:cNvPr>
+          <p:cNvPicPr>
+            <a:picLocks noChangeAspect="1" noChangeArrowheads="1"/>
+          </p:cNvPicPr>
+          <p:nvPr/>
+        </p:nvPicPr>
+        <p:blipFill>
+          <a:blip r:embed="rId4">
+            <a:extLst>
+              <a:ext uri="{28A0092B-C50C-407E-A947-70E740481C1C}">
+                <a14:useLocalDpi xmlns:a14="http://schemas.microsoft.com/office/drawing/2010/main" val="0"/>
+              </a:ext>
+            </a:extLst>
+          </a:blip>
+          <a:srcRect/>
+          <a:stretch>
+            <a:fillRect/>
+          </a:stretch>
+        </p:blipFill>
+        <p:spPr bwMode="auto">
+          <a:xfrm>
+            <a:off x="4521948" y="1232794"/>
+            <a:ext cx="1574052" cy="1580336"/>
+          </a:xfrm>
+          <a:prstGeom prst="rect">
+            <a:avLst/>
+          </a:prstGeom>
+          <a:noFill/>
+          <a:extLst>
+            <a:ext uri="{909E8E84-426E-40DD-AFC4-6F175D3DCCD1}">
+              <a14:hiddenFill xmlns:a14="http://schemas.microsoft.com/office/drawing/2010/main">
+                <a:solidFill>
+                  <a:srgbClr val="FFFFFF"/>
+                </a:solidFill>
+              </a14:hiddenFill>
+            </a:ext>
+          </a:extLst>
+        </p:spPr>
+      </p:pic>
+      <p:pic>
+        <p:nvPicPr>
+          <p:cNvPr id="5" name="Picture 10" descr="Googleスプレッドシート】表に添付されている画像をパソコンに保存する方法 – web屋が毎日書くblog">
+            <a:extLst>
+              <a:ext uri="{FF2B5EF4-FFF2-40B4-BE49-F238E27FC236}">
+                <a16:creationId xmlns:a16="http://schemas.microsoft.com/office/drawing/2014/main" id="{55684481-8200-4C9F-23AE-4B755874D346}"/>
+              </a:ext>
+            </a:extLst>
+          </p:cNvPr>
+          <p:cNvPicPr>
+            <a:picLocks noChangeAspect="1" noChangeArrowheads="1"/>
+          </p:cNvPicPr>
+          <p:nvPr/>
+        </p:nvPicPr>
+        <p:blipFill>
+          <a:blip r:embed="rId5">
+            <a:extLst>
+              <a:ext uri="{28A0092B-C50C-407E-A947-70E740481C1C}">
+                <a14:useLocalDpi xmlns:a14="http://schemas.microsoft.com/office/drawing/2010/main" val="0"/>
+              </a:ext>
+            </a:extLst>
+          </a:blip>
+          <a:srcRect/>
+          <a:stretch>
+            <a:fillRect/>
+          </a:stretch>
+        </p:blipFill>
+        <p:spPr bwMode="auto">
+          <a:xfrm>
+            <a:off x="8183440" y="1501793"/>
+            <a:ext cx="1574053" cy="1584437"/>
+          </a:xfrm>
+          <a:prstGeom prst="rect">
+            <a:avLst/>
+          </a:prstGeom>
+          <a:noFill/>
+          <a:extLst>
+            <a:ext uri="{909E8E84-426E-40DD-AFC4-6F175D3DCCD1}">
+              <a14:hiddenFill xmlns:a14="http://schemas.microsoft.com/office/drawing/2010/main">
+                <a:solidFill>
+                  <a:srgbClr val="FFFFFF"/>
+                </a:solidFill>
+              </a14:hiddenFill>
+            </a:ext>
+          </a:extLst>
+        </p:spPr>
+      </p:pic>
+      <p:pic>
+        <p:nvPicPr>
+          <p:cNvPr id="6" name="Picture 6" descr="音楽を聴くことのメリット | エステ・脱毛・美容クリニック WEB クレジット導入│株式会社トリプルクラウン">
+            <a:extLst>
+              <a:ext uri="{FF2B5EF4-FFF2-40B4-BE49-F238E27FC236}">
+                <a16:creationId xmlns:a16="http://schemas.microsoft.com/office/drawing/2014/main" id="{F0D1E740-0614-6213-60DE-EC170D680469}"/>
+              </a:ext>
+            </a:extLst>
+          </p:cNvPr>
+          <p:cNvPicPr>
+            <a:picLocks noChangeAspect="1" noChangeArrowheads="1"/>
+          </p:cNvPicPr>
+          <p:nvPr/>
+        </p:nvPicPr>
+        <p:blipFill rotWithShape="1">
+          <a:blip r:embed="rId6">
+            <a:extLst>
+              <a:ext uri="{28A0092B-C50C-407E-A947-70E740481C1C}">
+                <a14:useLocalDpi xmlns:a14="http://schemas.microsoft.com/office/drawing/2010/main" val="0"/>
+              </a:ext>
+            </a:extLst>
+          </a:blip>
+          <a:srcRect r="-5710" b="-5710"/>
+          <a:stretch/>
+        </p:blipFill>
+        <p:spPr bwMode="auto">
+          <a:xfrm>
+            <a:off x="8275348" y="4444325"/>
+            <a:ext cx="1665787" cy="1764604"/>
+          </a:xfrm>
+          <a:prstGeom prst="rect">
+            <a:avLst/>
+          </a:prstGeom>
+          <a:noFill/>
+          <a:extLst>
+            <a:ext uri="{909E8E84-426E-40DD-AFC4-6F175D3DCCD1}">
+              <a14:hiddenFill xmlns:a14="http://schemas.microsoft.com/office/drawing/2010/main">
+                <a:solidFill>
+                  <a:srgbClr val="FFFFFF"/>
+                </a:solidFill>
+              </a14:hiddenFill>
+            </a:ext>
+          </a:extLst>
+        </p:spPr>
+      </p:pic>
+      <p:pic>
+        <p:nvPicPr>
+          <p:cNvPr id="7" name="図 6">
+            <a:extLst>
+              <a:ext uri="{FF2B5EF4-FFF2-40B4-BE49-F238E27FC236}">
+                <a16:creationId xmlns:a16="http://schemas.microsoft.com/office/drawing/2014/main" id="{1D1F79FA-7873-F7BB-8A20-A621BF6E0366}"/>
+              </a:ext>
+            </a:extLst>
+          </p:cNvPr>
+          <p:cNvPicPr>
+            <a:picLocks noChangeAspect="1"/>
+          </p:cNvPicPr>
+          <p:nvPr/>
+        </p:nvPicPr>
+        <p:blipFill>
+          <a:blip r:embed="rId7"/>
+          <a:stretch>
+            <a:fillRect/>
+          </a:stretch>
+        </p:blipFill>
+        <p:spPr>
+          <a:xfrm>
+            <a:off x="3787436" y="3946598"/>
+            <a:ext cx="1948441" cy="1948441"/>
+          </a:xfrm>
+          <a:prstGeom prst="rect">
+            <a:avLst/>
+          </a:prstGeom>
+        </p:spPr>
+      </p:pic>
+      <p:sp>
+        <p:nvSpPr>
+          <p:cNvPr id="8" name="右矢印 7">
+            <a:extLst>
+              <a:ext uri="{FF2B5EF4-FFF2-40B4-BE49-F238E27FC236}">
+                <a16:creationId xmlns:a16="http://schemas.microsoft.com/office/drawing/2014/main" id="{09A8EC47-A5DD-7E20-A331-11F67D76C32A}"/>
+              </a:ext>
+            </a:extLst>
+          </p:cNvPr>
+          <p:cNvSpPr/>
+          <p:nvPr/>
+        </p:nvSpPr>
+        <p:spPr>
+          <a:xfrm>
+            <a:off x="2954605" y="2100672"/>
+            <a:ext cx="1131783" cy="305536"/>
+          </a:xfrm>
+          <a:prstGeom prst="rightArrow">
+            <a:avLst/>
+          </a:prstGeom>
+          <a:solidFill>
+            <a:schemeClr val="tx2">
+              <a:lumMod val="75000"/>
+            </a:schemeClr>
+          </a:solidFill>
+          <a:ln>
+            <a:noFill/>
+          </a:ln>
+        </p:spPr>
+        <p:style>
+          <a:lnRef idx="2">
+            <a:schemeClr val="accent1">
+              <a:shade val="15000"/>
+            </a:schemeClr>
+          </a:lnRef>
+          <a:fillRef idx="1">
+            <a:schemeClr val="accent1"/>
+          </a:fillRef>
+          <a:effectRef idx="0">
+            <a:schemeClr val="accent1"/>
+          </a:effectRef>
+          <a:fontRef idx="minor">
+            <a:schemeClr val="lt1"/>
+          </a:fontRef>
+        </p:style>
+        <p:txBody>
+          <a:bodyPr rtlCol="0" anchor="ctr"/>
+          <a:lstStyle/>
+          <a:p>
+            <a:pPr algn="ctr"/>
+            <a:endParaRPr kumimoji="1" lang="ja-JP" altLang="en-US" sz="2400"/>
+          </a:p>
+        </p:txBody>
+      </p:sp>
+      <p:sp>
+        <p:nvSpPr>
+          <p:cNvPr id="9" name="テキスト ボックス 8">
+            <a:extLst>
+              <a:ext uri="{FF2B5EF4-FFF2-40B4-BE49-F238E27FC236}">
+                <a16:creationId xmlns:a16="http://schemas.microsoft.com/office/drawing/2014/main" id="{3506D05C-A9A5-59DB-EB27-E8E446A1A8B0}"/>
+              </a:ext>
+            </a:extLst>
+          </p:cNvPr>
+          <p:cNvSpPr txBox="1"/>
+          <p:nvPr/>
+        </p:nvSpPr>
+        <p:spPr>
+          <a:xfrm>
+            <a:off x="2820794" y="1395510"/>
+            <a:ext cx="1665787" cy="646331"/>
+          </a:xfrm>
+          <a:prstGeom prst="rect">
+            <a:avLst/>
+          </a:prstGeom>
+          <a:noFill/>
+        </p:spPr>
+        <p:txBody>
+          <a:bodyPr wrap="square" rtlCol="0">
+            <a:spAutoFit/>
+          </a:bodyPr>
+          <a:lstStyle/>
+          <a:p>
+            <a:r>
+              <a:rPr kumimoji="1" lang="ja-JP" altLang="en-US" sz="1800">
+                <a:latin typeface="+mn-ea"/>
+                <a:ea typeface="+mn-ea"/>
+              </a:rPr>
+              <a:t>室内からの温度取得</a:t>
+            </a:r>
+          </a:p>
+        </p:txBody>
+      </p:sp>
+      <p:sp>
+        <p:nvSpPr>
+          <p:cNvPr id="10" name="右矢印 9">
+            <a:extLst>
+              <a:ext uri="{FF2B5EF4-FFF2-40B4-BE49-F238E27FC236}">
+                <a16:creationId xmlns:a16="http://schemas.microsoft.com/office/drawing/2014/main" id="{3DF0A922-6BD4-D75F-2768-B4F10D8C86D7}"/>
+              </a:ext>
+            </a:extLst>
+          </p:cNvPr>
+          <p:cNvSpPr/>
+          <p:nvPr/>
+        </p:nvSpPr>
+        <p:spPr>
+          <a:xfrm>
+            <a:off x="6605178" y="1933224"/>
+            <a:ext cx="1059271" cy="305536"/>
+          </a:xfrm>
+          <a:prstGeom prst="rightArrow">
+            <a:avLst/>
+          </a:prstGeom>
+          <a:solidFill>
+            <a:schemeClr val="tx2">
+              <a:lumMod val="75000"/>
+            </a:schemeClr>
+          </a:solidFill>
+          <a:ln>
+            <a:noFill/>
+          </a:ln>
+        </p:spPr>
+        <p:style>
+          <a:lnRef idx="2">
+            <a:schemeClr val="accent1">
+              <a:shade val="15000"/>
+            </a:schemeClr>
+          </a:lnRef>
+          <a:fillRef idx="1">
+            <a:schemeClr val="accent1"/>
+          </a:fillRef>
+          <a:effectRef idx="0">
+            <a:schemeClr val="accent1"/>
+          </a:effectRef>
+          <a:fontRef idx="minor">
+            <a:schemeClr val="lt1"/>
+          </a:fontRef>
+        </p:style>
+        <p:txBody>
+          <a:bodyPr rtlCol="0" anchor="ctr"/>
+          <a:lstStyle/>
+          <a:p>
+            <a:pPr algn="ctr"/>
+            <a:endParaRPr kumimoji="1" lang="ja-JP" altLang="en-US" sz="2400"/>
+          </a:p>
+        </p:txBody>
+      </p:sp>
+      <p:sp>
+        <p:nvSpPr>
+          <p:cNvPr id="11" name="テキスト ボックス 10">
+            <a:extLst>
+              <a:ext uri="{FF2B5EF4-FFF2-40B4-BE49-F238E27FC236}">
+                <a16:creationId xmlns:a16="http://schemas.microsoft.com/office/drawing/2014/main" id="{38E91356-926A-4C58-FD14-2870A674F4D4}"/>
+              </a:ext>
+            </a:extLst>
+          </p:cNvPr>
+          <p:cNvSpPr txBox="1"/>
+          <p:nvPr/>
+        </p:nvSpPr>
+        <p:spPr>
+          <a:xfrm>
+            <a:off x="6219992" y="1499785"/>
+            <a:ext cx="2055356" cy="369332"/>
+          </a:xfrm>
+          <a:prstGeom prst="rect">
+            <a:avLst/>
+          </a:prstGeom>
+          <a:noFill/>
+        </p:spPr>
+        <p:txBody>
+          <a:bodyPr wrap="square" rtlCol="0">
+            <a:spAutoFit/>
+          </a:bodyPr>
+          <a:lstStyle/>
+          <a:p>
+            <a:r>
+              <a:rPr kumimoji="1" lang="ja-JP" altLang="en-US" sz="1800">
+                <a:latin typeface="+mn-ea"/>
+                <a:ea typeface="+mn-ea"/>
+                <a:cs typeface="Arial" panose="020B0604020202020204" pitchFamily="34" charset="0"/>
+              </a:rPr>
+              <a:t>温度の書き込み</a:t>
+            </a:r>
+            <a:endParaRPr kumimoji="1" lang="en-US" altLang="ja-JP" sz="1800" dirty="0">
+              <a:latin typeface="+mn-ea"/>
+              <a:ea typeface="+mn-ea"/>
+              <a:cs typeface="Arial" panose="020B0604020202020204" pitchFamily="34" charset="0"/>
+            </a:endParaRPr>
+          </a:p>
+        </p:txBody>
+      </p:sp>
+      <p:sp>
+        <p:nvSpPr>
+          <p:cNvPr id="16" name="テキスト ボックス 15">
+            <a:extLst>
+              <a:ext uri="{FF2B5EF4-FFF2-40B4-BE49-F238E27FC236}">
+                <a16:creationId xmlns:a16="http://schemas.microsoft.com/office/drawing/2014/main" id="{C6E07229-AD90-3139-9E97-E61B05012DC1}"/>
+              </a:ext>
+            </a:extLst>
+          </p:cNvPr>
+          <p:cNvSpPr txBox="1"/>
+          <p:nvPr/>
+        </p:nvSpPr>
+        <p:spPr>
+          <a:xfrm>
+            <a:off x="6502400" y="5359956"/>
+            <a:ext cx="1665787" cy="369332"/>
+          </a:xfrm>
+          <a:prstGeom prst="rect">
+            <a:avLst/>
+          </a:prstGeom>
+          <a:noFill/>
+        </p:spPr>
+        <p:txBody>
+          <a:bodyPr wrap="square" rtlCol="0">
+            <a:spAutoFit/>
+          </a:bodyPr>
+          <a:lstStyle/>
+          <a:p>
+            <a:r>
+              <a:rPr kumimoji="1" lang="ja-JP" altLang="en-US" sz="1800">
+                <a:latin typeface="+mn-ea"/>
+                <a:ea typeface="+mn-ea"/>
+              </a:rPr>
+              <a:t>曲を流す</a:t>
+            </a:r>
+          </a:p>
+        </p:txBody>
+      </p:sp>
+      <p:cxnSp>
+        <p:nvCxnSpPr>
+          <p:cNvPr id="18" name="직선 연결선 17">
+            <a:extLst>
+              <a:ext uri="{FF2B5EF4-FFF2-40B4-BE49-F238E27FC236}">
+                <a16:creationId xmlns:a16="http://schemas.microsoft.com/office/drawing/2014/main" id="{58955BC3-AE63-A8EC-4700-917A8487C4C9}"/>
+              </a:ext>
+            </a:extLst>
+          </p:cNvPr>
+          <p:cNvCxnSpPr>
+            <a:cxnSpLocks/>
+          </p:cNvCxnSpPr>
+          <p:nvPr/>
+        </p:nvCxnSpPr>
+        <p:spPr>
+          <a:xfrm>
+            <a:off x="755650" y="827496"/>
+            <a:ext cx="11493500" cy="0"/>
+          </a:xfrm>
+          <a:prstGeom prst="line">
+            <a:avLst/>
+          </a:prstGeom>
+          <a:ln w="19050"/>
+        </p:spPr>
+        <p:style>
+          <a:lnRef idx="1">
+            <a:schemeClr val="dk1"/>
+          </a:lnRef>
+          <a:fillRef idx="0">
+            <a:schemeClr val="dk1"/>
+          </a:fillRef>
+          <a:effectRef idx="0">
+            <a:schemeClr val="dk1"/>
+          </a:effectRef>
+          <a:fontRef idx="minor">
+            <a:schemeClr val="tx1"/>
+          </a:fontRef>
+        </p:style>
+      </p:cxnSp>
+      <p:sp>
+        <p:nvSpPr>
+          <p:cNvPr id="19" name="TextBox 18">
+            <a:extLst>
+              <a:ext uri="{FF2B5EF4-FFF2-40B4-BE49-F238E27FC236}">
+                <a16:creationId xmlns:a16="http://schemas.microsoft.com/office/drawing/2014/main" id="{FA85A87B-366B-A9FC-63DC-D2D246C5B0CD}"/>
+              </a:ext>
+            </a:extLst>
+          </p:cNvPr>
+          <p:cNvSpPr txBox="1"/>
+          <p:nvPr/>
+        </p:nvSpPr>
+        <p:spPr>
+          <a:xfrm>
+            <a:off x="4086388" y="3289264"/>
+            <a:ext cx="3139034" cy="553998"/>
+          </a:xfrm>
+          <a:prstGeom prst="rect">
+            <a:avLst/>
+          </a:prstGeom>
+          <a:noFill/>
+        </p:spPr>
+        <p:txBody>
+          <a:bodyPr wrap="square" rtlCol="0">
+            <a:spAutoFit/>
+          </a:bodyPr>
+          <a:lstStyle/>
+          <a:p>
+            <a:r>
+              <a:rPr lang="ja-JP" altLang="en-US" sz="1600">
+                <a:latin typeface="+mn-ea"/>
+                <a:ea typeface="+mn-ea"/>
+                <a:cs typeface="Arial" panose="020B0604020202020204" pitchFamily="34" charset="0"/>
+              </a:rPr>
+              <a:t>温度に応じたプレイリスト要求</a:t>
+            </a:r>
+            <a:endParaRPr lang="en-US" altLang="ja-JP" sz="1600">
+              <a:latin typeface="+mn-ea"/>
+              <a:ea typeface="+mn-ea"/>
+              <a:cs typeface="Arial" panose="020B0604020202020204" pitchFamily="34" charset="0"/>
+            </a:endParaRPr>
+          </a:p>
+          <a:p>
+            <a:endParaRPr lang="ko-KR" altLang="en-US"/>
+          </a:p>
+        </p:txBody>
+      </p:sp>
+      <p:sp>
+        <p:nvSpPr>
+          <p:cNvPr id="26" name="左矢印 14">
+            <a:extLst>
+              <a:ext uri="{FF2B5EF4-FFF2-40B4-BE49-F238E27FC236}">
+                <a16:creationId xmlns:a16="http://schemas.microsoft.com/office/drawing/2014/main" id="{BC5521D0-969D-7C45-143C-E833FA0C5D3D}"/>
+              </a:ext>
+            </a:extLst>
+          </p:cNvPr>
+          <p:cNvSpPr/>
+          <p:nvPr/>
+        </p:nvSpPr>
+        <p:spPr>
+          <a:xfrm rot="19256133">
+            <a:off x="6106631" y="3704477"/>
+            <a:ext cx="1698284" cy="302368"/>
+          </a:xfrm>
+          <a:prstGeom prst="leftArrow">
+            <a:avLst/>
+          </a:prstGeom>
+          <a:solidFill>
+            <a:schemeClr val="tx2">
+              <a:lumMod val="75000"/>
+            </a:schemeClr>
+          </a:solidFill>
+          <a:ln>
+            <a:noFill/>
+          </a:ln>
+        </p:spPr>
+        <p:style>
+          <a:lnRef idx="2">
+            <a:schemeClr val="accent1">
+              <a:shade val="15000"/>
+            </a:schemeClr>
+          </a:lnRef>
+          <a:fillRef idx="1">
+            <a:schemeClr val="accent1"/>
+          </a:fillRef>
+          <a:effectRef idx="0">
+            <a:schemeClr val="accent1"/>
+          </a:effectRef>
+          <a:fontRef idx="minor">
+            <a:schemeClr val="lt1"/>
+          </a:fontRef>
+        </p:style>
+        <p:txBody>
+          <a:bodyPr rtlCol="0" anchor="ctr"/>
+          <a:lstStyle/>
+          <a:p>
+            <a:pPr algn="ctr"/>
+            <a:endParaRPr kumimoji="1" lang="ja-JP" altLang="en-US" sz="2400"/>
+          </a:p>
+        </p:txBody>
+      </p:sp>
+      <p:sp>
+        <p:nvSpPr>
+          <p:cNvPr id="28" name="左矢印 14">
+            <a:extLst>
+              <a:ext uri="{FF2B5EF4-FFF2-40B4-BE49-F238E27FC236}">
+                <a16:creationId xmlns:a16="http://schemas.microsoft.com/office/drawing/2014/main" id="{9C8DE551-ED87-0A99-6181-80453E880809}"/>
+              </a:ext>
+            </a:extLst>
+          </p:cNvPr>
+          <p:cNvSpPr/>
+          <p:nvPr/>
+        </p:nvSpPr>
+        <p:spPr>
+          <a:xfrm rot="10800000">
+            <a:off x="6219992" y="4946443"/>
+            <a:ext cx="1611497" cy="302368"/>
+          </a:xfrm>
+          <a:prstGeom prst="leftArrow">
+            <a:avLst/>
+          </a:prstGeom>
+          <a:solidFill>
+            <a:schemeClr val="tx2">
+              <a:lumMod val="75000"/>
+            </a:schemeClr>
+          </a:solidFill>
+          <a:ln>
+            <a:noFill/>
+          </a:ln>
+        </p:spPr>
+        <p:style>
+          <a:lnRef idx="2">
+            <a:schemeClr val="accent1">
+              <a:shade val="15000"/>
+            </a:schemeClr>
+          </a:lnRef>
+          <a:fillRef idx="1">
+            <a:schemeClr val="accent1"/>
+          </a:fillRef>
+          <a:effectRef idx="0">
+            <a:schemeClr val="accent1"/>
+          </a:effectRef>
+          <a:fontRef idx="minor">
+            <a:schemeClr val="lt1"/>
+          </a:fontRef>
+        </p:style>
+        <p:txBody>
+          <a:bodyPr rtlCol="0" anchor="ctr"/>
+          <a:lstStyle/>
+          <a:p>
+            <a:pPr algn="ctr"/>
+            <a:endParaRPr kumimoji="1" lang="ja-JP" altLang="en-US" sz="2400"/>
+          </a:p>
+        </p:txBody>
+      </p:sp>
+    </p:spTree>
+    <p:extLst>
+      <p:ext uri="{BB962C8B-B14F-4D97-AF65-F5344CB8AC3E}">
+        <p14:creationId xmlns:p14="http://schemas.microsoft.com/office/powerpoint/2010/main" val="3253503075"/>
+      </p:ext>
+    </p:extLst>
+  </p:cSld>
+  <p:clrMapOvr>
+    <a:masterClrMapping/>
+  </p:clrMapOvr>
+</p:sld>
+</file>
+
+<file path=ppt/slides/slide11.xml><?xml version="1.0" encoding="utf-8"?>
 <p:sld xmlns:a="http://schemas.openxmlformats.org/drawingml/2006/main" xmlns:r="http://schemas.openxmlformats.org/officeDocument/2006/relationships" xmlns:p="http://schemas.openxmlformats.org/presentationml/2006/main">
   <p:cSld>
     <p:spTree>
@@ -39217,7 +39920,7 @@
 </p:sld>
 </file>
 
-<file path=ppt/slides/slide11.xml><?xml version="1.0" encoding="utf-8"?>
+<file path=ppt/slides/slide12.xml><?xml version="1.0" encoding="utf-8"?>
 <p:sld xmlns:a="http://schemas.openxmlformats.org/drawingml/2006/main" xmlns:r="http://schemas.openxmlformats.org/officeDocument/2006/relationships" xmlns:p="http://schemas.openxmlformats.org/presentationml/2006/main">
   <p:cSld>
     <p:spTree>
@@ -40208,7 +40911,7 @@
 </p:sld>
 </file>
 
-<file path=ppt/slides/slide12.xml><?xml version="1.0" encoding="utf-8"?>
+<file path=ppt/slides/slide13.xml><?xml version="1.0" encoding="utf-8"?>
 <p:sld xmlns:a="http://schemas.openxmlformats.org/drawingml/2006/main" xmlns:r="http://schemas.openxmlformats.org/officeDocument/2006/relationships" xmlns:p="http://schemas.openxmlformats.org/presentationml/2006/main">
   <p:cSld>
     <p:spTree>
@@ -41473,7 +42176,7 @@
 </p:sld>
 </file>
 
-<file path=ppt/slides/slide13.xml><?xml version="1.0" encoding="utf-8"?>
+<file path=ppt/slides/slide14.xml><?xml version="1.0" encoding="utf-8"?>
 <p:sld xmlns:a="http://schemas.openxmlformats.org/drawingml/2006/main" xmlns:r="http://schemas.openxmlformats.org/officeDocument/2006/relationships" xmlns:p="http://schemas.openxmlformats.org/presentationml/2006/main">
   <p:cSld>
     <p:spTree>
@@ -41887,7 +42590,7 @@
 </p:sld>
 </file>
 
-<file path=ppt/slides/slide14.xml><?xml version="1.0" encoding="utf-8"?>
+<file path=ppt/slides/slide15.xml><?xml version="1.0" encoding="utf-8"?>
 <p:sld xmlns:a="http://schemas.openxmlformats.org/drawingml/2006/main" xmlns:r="http://schemas.openxmlformats.org/officeDocument/2006/relationships" xmlns:p="http://schemas.openxmlformats.org/presentationml/2006/main">
   <p:cSld>
     <p:spTree>
@@ -42318,7 +43021,7 @@
 </p:sld>
 </file>
 
-<file path=ppt/slides/slide15.xml><?xml version="1.0" encoding="utf-8"?>
+<file path=ppt/slides/slide16.xml><?xml version="1.0" encoding="utf-8"?>
 <p:sld xmlns:a="http://schemas.openxmlformats.org/drawingml/2006/main" xmlns:r="http://schemas.openxmlformats.org/officeDocument/2006/relationships" xmlns:p="http://schemas.openxmlformats.org/presentationml/2006/main">
   <p:cSld>
     <p:spTree>
@@ -43689,7 +44392,7 @@
 </p:sld>
 </file>
 
-<file path=ppt/slides/slide16.xml><?xml version="1.0" encoding="utf-8"?>
+<file path=ppt/slides/slide17.xml><?xml version="1.0" encoding="utf-8"?>
 <p:sld xmlns:a="http://schemas.openxmlformats.org/drawingml/2006/main" xmlns:r="http://schemas.openxmlformats.org/officeDocument/2006/relationships" xmlns:p="http://schemas.openxmlformats.org/presentationml/2006/main">
   <p:cSld>
     <p:spTree>
@@ -45035,612 +45738,6 @@
     <p:extLst>
       <p:ext uri="{BB962C8B-B14F-4D97-AF65-F5344CB8AC3E}">
         <p14:creationId xmlns:p14="http://schemas.microsoft.com/office/powerpoint/2010/main" val="4050232409"/>
-      </p:ext>
-    </p:extLst>
-  </p:cSld>
-  <p:clrMapOvr>
-    <a:masterClrMapping/>
-  </p:clrMapOvr>
-</p:sld>
-</file>
-
-<file path=ppt/slides/slide17.xml><?xml version="1.0" encoding="utf-8"?>
-<p:sld xmlns:a="http://schemas.openxmlformats.org/drawingml/2006/main" xmlns:r="http://schemas.openxmlformats.org/officeDocument/2006/relationships" xmlns:p="http://schemas.openxmlformats.org/presentationml/2006/main">
-  <p:cSld>
-    <p:spTree>
-      <p:nvGrpSpPr>
-        <p:cNvPr id="1" name="Shape 763"/>
-        <p:cNvGrpSpPr/>
-        <p:nvPr/>
-      </p:nvGrpSpPr>
-      <p:grpSpPr>
-        <a:xfrm>
-          <a:off x="0" y="0"/>
-          <a:ext cx="0" cy="0"/>
-          <a:chOff x="0" y="0"/>
-          <a:chExt cx="0" cy="0"/>
-        </a:xfrm>
-      </p:grpSpPr>
-      <p:sp>
-        <p:nvSpPr>
-          <p:cNvPr id="4" name="タイトル 3">
-            <a:extLst>
-              <a:ext uri="{FF2B5EF4-FFF2-40B4-BE49-F238E27FC236}">
-                <a16:creationId xmlns:a16="http://schemas.microsoft.com/office/drawing/2014/main" id="{4DC2AC1D-5C26-F65B-D4D4-B0FCAF03D5FB}"/>
-              </a:ext>
-            </a:extLst>
-          </p:cNvPr>
-          <p:cNvSpPr>
-            <a:spLocks noGrp="1"/>
-          </p:cNvSpPr>
-          <p:nvPr>
-            <p:ph type="title"/>
-          </p:nvPr>
-        </p:nvSpPr>
-        <p:spPr>
-          <a:xfrm>
-            <a:off x="795266" y="98392"/>
-            <a:ext cx="2731017" cy="763600"/>
-          </a:xfrm>
-        </p:spPr>
-        <p:txBody>
-          <a:bodyPr/>
-          <a:lstStyle/>
-          <a:p>
-            <a:pPr algn="l"/>
-            <a:r>
-              <a:rPr lang="ja-JP" altLang="en-US" sz="3733">
-                <a:latin typeface="MS PMincho" panose="02020600040205080304" pitchFamily="18" charset="-128"/>
-                <a:ea typeface="MS PMincho" panose="02020600040205080304" pitchFamily="18" charset="-128"/>
-              </a:rPr>
-              <a:t>計画・分担</a:t>
-            </a:r>
-          </a:p>
-        </p:txBody>
-      </p:sp>
-      <p:sp>
-        <p:nvSpPr>
-          <p:cNvPr id="6" name="角丸四角形 5">
-            <a:extLst>
-              <a:ext uri="{FF2B5EF4-FFF2-40B4-BE49-F238E27FC236}">
-                <a16:creationId xmlns:a16="http://schemas.microsoft.com/office/drawing/2014/main" id="{B2500160-F10D-7500-35DE-6D54D21F983D}"/>
-              </a:ext>
-            </a:extLst>
-          </p:cNvPr>
-          <p:cNvSpPr/>
-          <p:nvPr/>
-        </p:nvSpPr>
-        <p:spPr>
-          <a:xfrm>
-            <a:off x="1082300" y="1348484"/>
-            <a:ext cx="4980572" cy="4723257"/>
-          </a:xfrm>
-          <a:prstGeom prst="roundRect">
-            <a:avLst/>
-          </a:prstGeom>
-          <a:gradFill flip="none" rotWithShape="1">
-            <a:gsLst>
-              <a:gs pos="0">
-                <a:schemeClr val="tx2">
-                  <a:lumMod val="40000"/>
-                  <a:lumOff val="60000"/>
-                  <a:shade val="30000"/>
-                  <a:satMod val="115000"/>
-                </a:schemeClr>
-              </a:gs>
-              <a:gs pos="50000">
-                <a:schemeClr val="tx2">
-                  <a:lumMod val="40000"/>
-                  <a:lumOff val="60000"/>
-                  <a:shade val="67500"/>
-                  <a:satMod val="115000"/>
-                </a:schemeClr>
-              </a:gs>
-              <a:gs pos="100000">
-                <a:schemeClr val="tx2">
-                  <a:lumMod val="40000"/>
-                  <a:lumOff val="60000"/>
-                  <a:shade val="100000"/>
-                  <a:satMod val="115000"/>
-                </a:schemeClr>
-              </a:gs>
-            </a:gsLst>
-            <a:path path="circle">
-              <a:fillToRect l="100000" t="100000"/>
-            </a:path>
-            <a:tileRect r="-100000" b="-100000"/>
-          </a:gradFill>
-          <a:ln>
-            <a:noFill/>
-          </a:ln>
-        </p:spPr>
-        <p:style>
-          <a:lnRef idx="2">
-            <a:schemeClr val="accent1">
-              <a:shade val="15000"/>
-            </a:schemeClr>
-          </a:lnRef>
-          <a:fillRef idx="1">
-            <a:schemeClr val="accent1"/>
-          </a:fillRef>
-          <a:effectRef idx="0">
-            <a:schemeClr val="accent1"/>
-          </a:effectRef>
-          <a:fontRef idx="minor">
-            <a:schemeClr val="lt1"/>
-          </a:fontRef>
-        </p:style>
-        <p:txBody>
-          <a:bodyPr rtlCol="0" anchor="ctr"/>
-          <a:lstStyle/>
-          <a:p>
-            <a:pPr algn="ctr"/>
-            <a:endParaRPr lang="ko-KR" altLang="en-US" sz="1867" dirty="0"/>
-          </a:p>
-        </p:txBody>
-      </p:sp>
-      <p:sp>
-        <p:nvSpPr>
-          <p:cNvPr id="8" name="角丸四角形 7">
-            <a:extLst>
-              <a:ext uri="{FF2B5EF4-FFF2-40B4-BE49-F238E27FC236}">
-                <a16:creationId xmlns:a16="http://schemas.microsoft.com/office/drawing/2014/main" id="{932BC344-ADE5-A84F-C747-12BFB0764F1F}"/>
-              </a:ext>
-            </a:extLst>
-          </p:cNvPr>
-          <p:cNvSpPr/>
-          <p:nvPr/>
-        </p:nvSpPr>
-        <p:spPr>
-          <a:xfrm>
-            <a:off x="6716692" y="1340270"/>
-            <a:ext cx="5090316" cy="4870025"/>
-          </a:xfrm>
-          <a:prstGeom prst="roundRect">
-            <a:avLst/>
-          </a:prstGeom>
-          <a:gradFill flip="none" rotWithShape="1">
-            <a:gsLst>
-              <a:gs pos="0">
-                <a:schemeClr val="tx2">
-                  <a:lumMod val="40000"/>
-                  <a:lumOff val="60000"/>
-                  <a:shade val="30000"/>
-                  <a:satMod val="115000"/>
-                </a:schemeClr>
-              </a:gs>
-              <a:gs pos="50000">
-                <a:schemeClr val="tx2">
-                  <a:lumMod val="40000"/>
-                  <a:lumOff val="60000"/>
-                  <a:shade val="67500"/>
-                  <a:satMod val="115000"/>
-                </a:schemeClr>
-              </a:gs>
-              <a:gs pos="100000">
-                <a:schemeClr val="tx2">
-                  <a:lumMod val="40000"/>
-                  <a:lumOff val="60000"/>
-                  <a:shade val="100000"/>
-                  <a:satMod val="115000"/>
-                </a:schemeClr>
-              </a:gs>
-            </a:gsLst>
-            <a:path path="circle">
-              <a:fillToRect l="100000" t="100000"/>
-            </a:path>
-            <a:tileRect r="-100000" b="-100000"/>
-          </a:gradFill>
-          <a:ln>
-            <a:noFill/>
-          </a:ln>
-        </p:spPr>
-        <p:style>
-          <a:lnRef idx="2">
-            <a:schemeClr val="accent1">
-              <a:shade val="15000"/>
-            </a:schemeClr>
-          </a:lnRef>
-          <a:fillRef idx="1">
-            <a:schemeClr val="accent1"/>
-          </a:fillRef>
-          <a:effectRef idx="0">
-            <a:schemeClr val="accent1"/>
-          </a:effectRef>
-          <a:fontRef idx="minor">
-            <a:schemeClr val="lt1"/>
-          </a:fontRef>
-        </p:style>
-        <p:txBody>
-          <a:bodyPr rtlCol="0" anchor="ctr"/>
-          <a:lstStyle/>
-          <a:p>
-            <a:pPr algn="ctr"/>
-            <a:endParaRPr kumimoji="1" lang="ja-JP" altLang="en-US" sz="2400"/>
-          </a:p>
-        </p:txBody>
-      </p:sp>
-      <p:sp>
-        <p:nvSpPr>
-          <p:cNvPr id="9" name="TextBox 25">
-            <a:extLst>
-              <a:ext uri="{FF2B5EF4-FFF2-40B4-BE49-F238E27FC236}">
-                <a16:creationId xmlns:a16="http://schemas.microsoft.com/office/drawing/2014/main" id="{87FA2152-99CC-A910-FCF1-F06B37481186}"/>
-              </a:ext>
-            </a:extLst>
-          </p:cNvPr>
-          <p:cNvSpPr txBox="1"/>
-          <p:nvPr/>
-        </p:nvSpPr>
-        <p:spPr>
-          <a:xfrm>
-            <a:off x="697513" y="1581997"/>
-            <a:ext cx="5090316" cy="502766"/>
-          </a:xfrm>
-          <a:prstGeom prst="rect">
-            <a:avLst/>
-          </a:prstGeom>
-          <a:noFill/>
-        </p:spPr>
-        <p:txBody>
-          <a:bodyPr wrap="square" rtlCol="0">
-            <a:spAutoFit/>
-          </a:bodyPr>
-          <a:lstStyle/>
-          <a:p>
-            <a:pPr algn="ctr"/>
-            <a:r>
-              <a:rPr lang="ja-JP" altLang="en-US" sz="2667" dirty="0">
-                <a:latin typeface="Meiryo UI" panose="020B0604030504040204" pitchFamily="34" charset="-128"/>
-                <a:ea typeface="Meiryo UI" panose="020B0604030504040204" pitchFamily="34" charset="-128"/>
-              </a:rPr>
-              <a:t>機能１</a:t>
-            </a:r>
-            <a:endParaRPr lang="ko-KR" altLang="en-US" sz="2667" dirty="0"/>
-          </a:p>
-        </p:txBody>
-      </p:sp>
-      <p:sp>
-        <p:nvSpPr>
-          <p:cNvPr id="10" name="TextBox 9">
-            <a:extLst>
-              <a:ext uri="{FF2B5EF4-FFF2-40B4-BE49-F238E27FC236}">
-                <a16:creationId xmlns:a16="http://schemas.microsoft.com/office/drawing/2014/main" id="{5295D516-E1E9-3997-3CEC-63B9A2DB325B}"/>
-              </a:ext>
-            </a:extLst>
-          </p:cNvPr>
-          <p:cNvSpPr txBox="1"/>
-          <p:nvPr/>
-        </p:nvSpPr>
-        <p:spPr>
-          <a:xfrm>
-            <a:off x="955333" y="2598003"/>
-            <a:ext cx="5021283" cy="830997"/>
-          </a:xfrm>
-          <a:prstGeom prst="rect">
-            <a:avLst/>
-          </a:prstGeom>
-          <a:noFill/>
-        </p:spPr>
-        <p:txBody>
-          <a:bodyPr wrap="square" rtlCol="0">
-            <a:spAutoFit/>
-          </a:bodyPr>
-          <a:lstStyle/>
-          <a:p>
-            <a:pPr algn="ctr"/>
-            <a:r>
-              <a:rPr lang="en-US" altLang="ja-JP" sz="2400">
-                <a:latin typeface="Meiryo UI" panose="020B0604030504040204" pitchFamily="34" charset="-128"/>
-                <a:ea typeface="Meiryo UI" panose="020B0604030504040204" pitchFamily="34" charset="-128"/>
-              </a:rPr>
-              <a:t>Spotify</a:t>
-            </a:r>
-            <a:r>
-              <a:rPr lang="ja-JP" altLang="en-US" sz="2400">
-                <a:latin typeface="Meiryo UI" panose="020B0604030504040204" pitchFamily="34" charset="-128"/>
-                <a:ea typeface="Meiryo UI" panose="020B0604030504040204" pitchFamily="34" charset="-128"/>
-              </a:rPr>
-              <a:t>から</a:t>
-            </a:r>
-            <a:r>
-              <a:rPr lang="ja-JP" altLang="en-US" sz="2400" dirty="0">
-                <a:latin typeface="Meiryo UI" panose="020B0604030504040204" pitchFamily="34" charset="-128"/>
-                <a:ea typeface="Meiryo UI" panose="020B0604030504040204" pitchFamily="34" charset="-128"/>
-              </a:rPr>
-              <a:t>季節</a:t>
-            </a:r>
-            <a:r>
-              <a:rPr lang="ja-JP" altLang="en-US" sz="2400">
-                <a:latin typeface="Meiryo UI" panose="020B0604030504040204" pitchFamily="34" charset="-128"/>
-                <a:ea typeface="Meiryo UI" panose="020B0604030504040204" pitchFamily="34" charset="-128"/>
-              </a:rPr>
-              <a:t>の</a:t>
-            </a:r>
-            <a:r>
-              <a:rPr lang="ja-JP" altLang="en-US" sz="2400" dirty="0">
-                <a:latin typeface="Meiryo UI" panose="020B0604030504040204" pitchFamily="34" charset="-128"/>
-                <a:ea typeface="Meiryo UI" panose="020B0604030504040204" pitchFamily="34" charset="-128"/>
-              </a:rPr>
-              <a:t>プレイリストを取得</a:t>
-            </a:r>
-            <a:endParaRPr lang="ko-KR" altLang="en-US" sz="2400" dirty="0"/>
-          </a:p>
-          <a:p>
-            <a:pPr algn="ctr"/>
-            <a:endParaRPr lang="ko-KR" altLang="en-US" sz="2400" dirty="0"/>
-          </a:p>
-        </p:txBody>
-      </p:sp>
-      <p:sp>
-        <p:nvSpPr>
-          <p:cNvPr id="11" name="TextBox 11">
-            <a:extLst>
-              <a:ext uri="{FF2B5EF4-FFF2-40B4-BE49-F238E27FC236}">
-                <a16:creationId xmlns:a16="http://schemas.microsoft.com/office/drawing/2014/main" id="{01263C7D-65A9-9682-FDA6-4F254857D8BD}"/>
-              </a:ext>
-            </a:extLst>
-          </p:cNvPr>
-          <p:cNvSpPr txBox="1"/>
-          <p:nvPr/>
-        </p:nvSpPr>
-        <p:spPr>
-          <a:xfrm>
-            <a:off x="1541651" y="4968865"/>
-            <a:ext cx="4829033" cy="1241430"/>
-          </a:xfrm>
-          <a:prstGeom prst="rect">
-            <a:avLst/>
-          </a:prstGeom>
-          <a:noFill/>
-        </p:spPr>
-        <p:txBody>
-          <a:bodyPr wrap="square" rtlCol="0">
-            <a:spAutoFit/>
-          </a:bodyPr>
-          <a:lstStyle/>
-          <a:p>
-            <a:r>
-              <a:rPr lang="ja-JP" altLang="en-US" sz="2667" dirty="0">
-                <a:latin typeface="Meiryo UI" panose="020B0604030504040204" pitchFamily="34" charset="-128"/>
-                <a:ea typeface="Meiryo UI" panose="020B0604030504040204" pitchFamily="34" charset="-128"/>
-              </a:rPr>
-              <a:t>吉⽥朔⼤、</a:t>
-            </a:r>
-            <a:r>
-              <a:rPr lang="en-US" altLang="ja-JP" sz="2667" dirty="0">
-                <a:latin typeface="Meiryo UI" panose="020B0604030504040204" pitchFamily="34" charset="-128"/>
-                <a:ea typeface="Meiryo UI" panose="020B0604030504040204" pitchFamily="34" charset="-128"/>
-              </a:rPr>
-              <a:t> CHO </a:t>
-            </a:r>
-            <a:r>
-              <a:rPr lang="en-US" altLang="ja-JP" sz="2667" dirty="0" err="1">
-                <a:latin typeface="Meiryo UI" panose="020B0604030504040204" pitchFamily="34" charset="-128"/>
-                <a:ea typeface="Meiryo UI" panose="020B0604030504040204" pitchFamily="34" charset="-128"/>
-              </a:rPr>
-              <a:t>Seongjun</a:t>
-            </a:r>
-            <a:endParaRPr lang="ja-JP" altLang="en-US" sz="2667" dirty="0">
-              <a:latin typeface="Meiryo UI" panose="020B0604030504040204" pitchFamily="34" charset="-128"/>
-              <a:ea typeface="Meiryo UI" panose="020B0604030504040204" pitchFamily="34" charset="-128"/>
-            </a:endParaRPr>
-          </a:p>
-          <a:p>
-            <a:endParaRPr lang="ja-JP" altLang="en-US" sz="2400" dirty="0">
-              <a:latin typeface="Meiryo UI" panose="020B0604030504040204" pitchFamily="34" charset="-128"/>
-              <a:ea typeface="Meiryo UI" panose="020B0604030504040204" pitchFamily="34" charset="-128"/>
-            </a:endParaRPr>
-          </a:p>
-          <a:p>
-            <a:endParaRPr lang="ko-KR" altLang="en-US" sz="2400" dirty="0"/>
-          </a:p>
-        </p:txBody>
-      </p:sp>
-      <p:sp>
-        <p:nvSpPr>
-          <p:cNvPr id="12" name="TextBox 26">
-            <a:extLst>
-              <a:ext uri="{FF2B5EF4-FFF2-40B4-BE49-F238E27FC236}">
-                <a16:creationId xmlns:a16="http://schemas.microsoft.com/office/drawing/2014/main" id="{243FE28F-B349-9611-71AB-DF25C53B49D9}"/>
-              </a:ext>
-            </a:extLst>
-          </p:cNvPr>
-          <p:cNvSpPr txBox="1"/>
-          <p:nvPr/>
-        </p:nvSpPr>
-        <p:spPr>
-          <a:xfrm>
-            <a:off x="6771689" y="1936372"/>
-            <a:ext cx="5090316" cy="502766"/>
-          </a:xfrm>
-          <a:prstGeom prst="rect">
-            <a:avLst/>
-          </a:prstGeom>
-          <a:noFill/>
-        </p:spPr>
-        <p:txBody>
-          <a:bodyPr wrap="square" rtlCol="0">
-            <a:spAutoFit/>
-          </a:bodyPr>
-          <a:lstStyle/>
-          <a:p>
-            <a:pPr algn="ctr"/>
-            <a:r>
-              <a:rPr lang="ja-JP" altLang="en-US" sz="2667" dirty="0">
-                <a:latin typeface="Meiryo UI" panose="020B0604030504040204" pitchFamily="34" charset="-128"/>
-                <a:ea typeface="Meiryo UI" panose="020B0604030504040204" pitchFamily="34" charset="-128"/>
-              </a:rPr>
-              <a:t>機能２</a:t>
-            </a:r>
-            <a:endParaRPr lang="ko-KR" altLang="en-US" sz="2667" dirty="0"/>
-          </a:p>
-        </p:txBody>
-      </p:sp>
-      <p:sp>
-        <p:nvSpPr>
-          <p:cNvPr id="13" name="TextBox 10">
-            <a:extLst>
-              <a:ext uri="{FF2B5EF4-FFF2-40B4-BE49-F238E27FC236}">
-                <a16:creationId xmlns:a16="http://schemas.microsoft.com/office/drawing/2014/main" id="{1BC43A7A-CFCA-0F22-4D3A-BA36234CA1CB}"/>
-              </a:ext>
-            </a:extLst>
-          </p:cNvPr>
-          <p:cNvSpPr txBox="1"/>
-          <p:nvPr/>
-        </p:nvSpPr>
-        <p:spPr>
-          <a:xfrm>
-            <a:off x="6802947" y="3177617"/>
-            <a:ext cx="5090316" cy="913199"/>
-          </a:xfrm>
-          <a:prstGeom prst="rect">
-            <a:avLst/>
-          </a:prstGeom>
-          <a:noFill/>
-        </p:spPr>
-        <p:txBody>
-          <a:bodyPr wrap="square" rtlCol="0">
-            <a:spAutoFit/>
-          </a:bodyPr>
-          <a:lstStyle/>
-          <a:p>
-            <a:pPr algn="ctr"/>
-            <a:r>
-              <a:rPr lang="ja-JP" altLang="en-US" sz="2667">
-                <a:latin typeface="Meiryo UI" panose="020B0604030504040204" pitchFamily="34" charset="-128"/>
-                <a:ea typeface="Meiryo UI" panose="020B0604030504040204" pitchFamily="34" charset="-128"/>
-              </a:rPr>
-              <a:t>温度を取得し、それをスプレッドシートに記入</a:t>
-            </a:r>
-            <a:endParaRPr lang="ko-KR" altLang="en-US" sz="2667" dirty="0"/>
-          </a:p>
-        </p:txBody>
-      </p:sp>
-      <p:sp>
-        <p:nvSpPr>
-          <p:cNvPr id="14" name="TextBox 12">
-            <a:extLst>
-              <a:ext uri="{FF2B5EF4-FFF2-40B4-BE49-F238E27FC236}">
-                <a16:creationId xmlns:a16="http://schemas.microsoft.com/office/drawing/2014/main" id="{CAC245F6-799D-8751-36C5-743F96B1AA85}"/>
-              </a:ext>
-            </a:extLst>
-          </p:cNvPr>
-          <p:cNvSpPr txBox="1"/>
-          <p:nvPr/>
-        </p:nvSpPr>
-        <p:spPr>
-          <a:xfrm>
-            <a:off x="7474415" y="4968865"/>
-            <a:ext cx="3747381" cy="872098"/>
-          </a:xfrm>
-          <a:prstGeom prst="rect">
-            <a:avLst/>
-          </a:prstGeom>
-          <a:noFill/>
-        </p:spPr>
-        <p:txBody>
-          <a:bodyPr wrap="square" rtlCol="0">
-            <a:spAutoFit/>
-          </a:bodyPr>
-          <a:lstStyle/>
-          <a:p>
-            <a:r>
-              <a:rPr lang="ja-JP" altLang="en-US" sz="2667" dirty="0">
-                <a:latin typeface="Meiryo UI" panose="020B0604030504040204" pitchFamily="34" charset="-128"/>
-                <a:ea typeface="Meiryo UI" panose="020B0604030504040204" pitchFamily="34" charset="-128"/>
-              </a:rPr>
-              <a:t>北⽥颯太郎、⼭⽥稔登</a:t>
-            </a:r>
-          </a:p>
-          <a:p>
-            <a:endParaRPr lang="ko-KR" altLang="en-US" sz="2400" dirty="0"/>
-          </a:p>
-        </p:txBody>
-      </p:sp>
-      <p:cxnSp>
-        <p:nvCxnSpPr>
-          <p:cNvPr id="5" name="직선 연결선 4">
-            <a:extLst>
-              <a:ext uri="{FF2B5EF4-FFF2-40B4-BE49-F238E27FC236}">
-                <a16:creationId xmlns:a16="http://schemas.microsoft.com/office/drawing/2014/main" id="{8238EE7F-332E-59D3-B9E6-B76BB2F83F0B}"/>
-              </a:ext>
-            </a:extLst>
-          </p:cNvPr>
-          <p:cNvCxnSpPr>
-            <a:cxnSpLocks/>
-          </p:cNvCxnSpPr>
-          <p:nvPr/>
-        </p:nvCxnSpPr>
-        <p:spPr>
-          <a:xfrm>
-            <a:off x="697513" y="786259"/>
-            <a:ext cx="11494487" cy="0"/>
-          </a:xfrm>
-          <a:prstGeom prst="line">
-            <a:avLst/>
-          </a:prstGeom>
-          <a:ln w="19050"/>
-        </p:spPr>
-        <p:style>
-          <a:lnRef idx="1">
-            <a:schemeClr val="dk1"/>
-          </a:lnRef>
-          <a:fillRef idx="0">
-            <a:schemeClr val="dk1"/>
-          </a:fillRef>
-          <a:effectRef idx="0">
-            <a:schemeClr val="dk1"/>
-          </a:effectRef>
-          <a:fontRef idx="minor">
-            <a:schemeClr val="tx1"/>
-          </a:fontRef>
-        </p:style>
-      </p:cxnSp>
-      <p:sp>
-        <p:nvSpPr>
-          <p:cNvPr id="7" name="TextBox 6">
-            <a:extLst>
-              <a:ext uri="{FF2B5EF4-FFF2-40B4-BE49-F238E27FC236}">
-                <a16:creationId xmlns:a16="http://schemas.microsoft.com/office/drawing/2014/main" id="{734169EC-5AC4-789E-215F-864D6A0B2E49}"/>
-              </a:ext>
-            </a:extLst>
-          </p:cNvPr>
-          <p:cNvSpPr txBox="1"/>
-          <p:nvPr/>
-        </p:nvSpPr>
-        <p:spPr>
-          <a:xfrm>
-            <a:off x="955333" y="3529559"/>
-            <a:ext cx="5021283" cy="461665"/>
-          </a:xfrm>
-          <a:prstGeom prst="rect">
-            <a:avLst/>
-          </a:prstGeom>
-          <a:noFill/>
-        </p:spPr>
-        <p:txBody>
-          <a:bodyPr wrap="square" rtlCol="0">
-            <a:spAutoFit/>
-          </a:bodyPr>
-          <a:lstStyle/>
-          <a:p>
-            <a:pPr algn="ctr"/>
-            <a:r>
-              <a:rPr lang="ja-JP" altLang="en-US" sz="2400">
-                <a:latin typeface="Meiryo UI" panose="020B0604030504040204" pitchFamily="34" charset="-128"/>
-                <a:ea typeface="Meiryo UI" panose="020B0604030504040204" pitchFamily="34" charset="-128"/>
-              </a:rPr>
-              <a:t>曲情報、プレイリスト編集、再生</a:t>
-            </a:r>
-            <a:endParaRPr lang="ko-KR" altLang="en-US" sz="2400" dirty="0"/>
-          </a:p>
-        </p:txBody>
-      </p:sp>
-    </p:spTree>
-    <p:extLst>
-      <p:ext uri="{BB962C8B-B14F-4D97-AF65-F5344CB8AC3E}">
-        <p14:creationId xmlns:p14="http://schemas.microsoft.com/office/powerpoint/2010/main" val="3857985625"/>
       </p:ext>
     </p:extLst>
   </p:cSld>
@@ -56212,6 +56309,16 @@
               <a:buNone/>
             </a:pPr>
             <a:r>
+              <a:rPr lang="en-US" altLang="ko-KR" sz="2400">
+                <a:solidFill>
+                  <a:schemeClr val="tx1"/>
+                </a:solidFill>
+                <a:latin typeface="Arial" panose="020B0604020202020204" pitchFamily="34" charset="0"/>
+                <a:cs typeface="Arial" panose="020B0604020202020204" pitchFamily="34" charset="0"/>
+              </a:rPr>
+              <a:t>4</a:t>
+            </a:r>
+            <a:r>
               <a:rPr lang="en-US" altLang="ja-JP" sz="2400">
                 <a:solidFill>
                   <a:schemeClr val="tx1"/>
@@ -56219,7 +56326,7 @@
                 <a:latin typeface="Arial" panose="020B0604020202020204" pitchFamily="34" charset="0"/>
                 <a:cs typeface="Arial" panose="020B0604020202020204" pitchFamily="34" charset="0"/>
               </a:rPr>
-              <a:t>4.</a:t>
+              <a:t>. </a:t>
             </a:r>
             <a:r>
               <a:rPr lang="ja-JP" altLang="en-US" sz="2400">
@@ -56229,7 +56336,7 @@
                 <a:latin typeface="Arial" panose="020B0604020202020204" pitchFamily="34" charset="0"/>
                 <a:cs typeface="Arial" panose="020B0604020202020204" pitchFamily="34" charset="0"/>
               </a:rPr>
-              <a:t> 設計</a:t>
+              <a:t>計画・分担</a:t>
             </a:r>
             <a:endParaRPr lang="en-US" altLang="ja-JP" sz="2400">
               <a:solidFill>
@@ -56244,6 +56351,16 @@
               <a:buNone/>
             </a:pPr>
             <a:r>
+              <a:rPr lang="en-US" altLang="ko-KR" sz="2400">
+                <a:solidFill>
+                  <a:schemeClr val="tx1"/>
+                </a:solidFill>
+                <a:latin typeface="Arial" panose="020B0604020202020204" pitchFamily="34" charset="0"/>
+                <a:cs typeface="Arial" panose="020B0604020202020204" pitchFamily="34" charset="0"/>
+              </a:rPr>
+              <a:t>5</a:t>
+            </a:r>
+            <a:r>
               <a:rPr lang="en-US" altLang="ja-JP" sz="2400">
                 <a:solidFill>
                   <a:schemeClr val="tx1"/>
@@ -56251,7 +56368,7 @@
                 <a:latin typeface="Arial" panose="020B0604020202020204" pitchFamily="34" charset="0"/>
                 <a:cs typeface="Arial" panose="020B0604020202020204" pitchFamily="34" charset="0"/>
               </a:rPr>
-              <a:t>5. </a:t>
+              <a:t>.</a:t>
             </a:r>
             <a:r>
               <a:rPr lang="ja-JP" altLang="en-US" sz="2400">
@@ -56261,7 +56378,7 @@
                 <a:latin typeface="Arial" panose="020B0604020202020204" pitchFamily="34" charset="0"/>
                 <a:cs typeface="Arial" panose="020B0604020202020204" pitchFamily="34" charset="0"/>
               </a:rPr>
-              <a:t>計画・分担</a:t>
+              <a:t> 設計</a:t>
             </a:r>
             <a:endParaRPr lang="en-US" altLang="ja-JP" sz="2400">
               <a:solidFill>
@@ -56363,8 +56480,8 @@
         </p:nvSpPr>
         <p:spPr>
           <a:xfrm>
-            <a:off x="901184" y="63896"/>
-            <a:ext cx="2023881" cy="763600"/>
+            <a:off x="795266" y="98392"/>
+            <a:ext cx="2731017" cy="763600"/>
           </a:xfrm>
         </p:spPr>
         <p:txBody>
@@ -56377,231 +56494,17 @@
                 <a:latin typeface="MS PMincho" panose="02020600040205080304" pitchFamily="18" charset="-128"/>
                 <a:ea typeface="MS PMincho" panose="02020600040205080304" pitchFamily="18" charset="-128"/>
               </a:rPr>
-              <a:t>設計</a:t>
+              <a:t>計画・分担</a:t>
             </a:r>
           </a:p>
         </p:txBody>
       </p:sp>
-      <p:pic>
-        <p:nvPicPr>
-          <p:cNvPr id="2" name="Picture 6" descr="室内イラスト｜無料イラスト・フリー素材なら「イラストAC」">
+      <p:sp>
+        <p:nvSpPr>
+          <p:cNvPr id="6" name="角丸四角形 5">
             <a:extLst>
               <a:ext uri="{FF2B5EF4-FFF2-40B4-BE49-F238E27FC236}">
-                <a16:creationId xmlns:a16="http://schemas.microsoft.com/office/drawing/2014/main" id="{4ADCE1DB-3F7A-A1DC-E38E-80FE24D70C94}"/>
-              </a:ext>
-            </a:extLst>
-          </p:cNvPr>
-          <p:cNvPicPr>
-            <a:picLocks noChangeAspect="1" noChangeArrowheads="1"/>
-          </p:cNvPicPr>
-          <p:nvPr/>
-        </p:nvPicPr>
-        <p:blipFill rotWithShape="1">
-          <a:blip r:embed="rId3">
-            <a:extLst>
-              <a:ext uri="{28A0092B-C50C-407E-A947-70E740481C1C}">
-                <a14:useLocalDpi xmlns:a14="http://schemas.microsoft.com/office/drawing/2010/main" val="0"/>
-              </a:ext>
-            </a:extLst>
-          </a:blip>
-          <a:srcRect l="28388" t="7611"/>
-          <a:stretch/>
-        </p:blipFill>
-        <p:spPr bwMode="auto">
-          <a:xfrm>
-            <a:off x="754663" y="1250580"/>
-            <a:ext cx="1729133" cy="1544765"/>
-          </a:xfrm>
-          <a:prstGeom prst="rect">
-            <a:avLst/>
-          </a:prstGeom>
-          <a:noFill/>
-          <a:extLst>
-            <a:ext uri="{909E8E84-426E-40DD-AFC4-6F175D3DCCD1}">
-              <a14:hiddenFill xmlns:a14="http://schemas.microsoft.com/office/drawing/2010/main">
-                <a:solidFill>
-                  <a:srgbClr val="FFFFFF"/>
-                </a:solidFill>
-              </a14:hiddenFill>
-            </a:ext>
-          </a:extLst>
-        </p:spPr>
-      </p:pic>
-      <p:pic>
-        <p:nvPicPr>
-          <p:cNvPr id="3" name="Picture 4" descr="Nature Remo 3（ネイチャーリモ3） – Nature公式サイト">
-            <a:extLst>
-              <a:ext uri="{FF2B5EF4-FFF2-40B4-BE49-F238E27FC236}">
-                <a16:creationId xmlns:a16="http://schemas.microsoft.com/office/drawing/2014/main" id="{0ABDDDB8-710E-135A-CE56-ADD60801D8BF}"/>
-              </a:ext>
-            </a:extLst>
-          </p:cNvPr>
-          <p:cNvPicPr>
-            <a:picLocks noChangeAspect="1" noChangeArrowheads="1"/>
-          </p:cNvPicPr>
-          <p:nvPr/>
-        </p:nvPicPr>
-        <p:blipFill>
-          <a:blip r:embed="rId4">
-            <a:extLst>
-              <a:ext uri="{28A0092B-C50C-407E-A947-70E740481C1C}">
-                <a14:useLocalDpi xmlns:a14="http://schemas.microsoft.com/office/drawing/2010/main" val="0"/>
-              </a:ext>
-            </a:extLst>
-          </a:blip>
-          <a:srcRect/>
-          <a:stretch>
-            <a:fillRect/>
-          </a:stretch>
-        </p:blipFill>
-        <p:spPr bwMode="auto">
-          <a:xfrm>
-            <a:off x="4521948" y="1232794"/>
-            <a:ext cx="1574052" cy="1580336"/>
-          </a:xfrm>
-          <a:prstGeom prst="rect">
-            <a:avLst/>
-          </a:prstGeom>
-          <a:noFill/>
-          <a:extLst>
-            <a:ext uri="{909E8E84-426E-40DD-AFC4-6F175D3DCCD1}">
-              <a14:hiddenFill xmlns:a14="http://schemas.microsoft.com/office/drawing/2010/main">
-                <a:solidFill>
-                  <a:srgbClr val="FFFFFF"/>
-                </a:solidFill>
-              </a14:hiddenFill>
-            </a:ext>
-          </a:extLst>
-        </p:spPr>
-      </p:pic>
-      <p:pic>
-        <p:nvPicPr>
-          <p:cNvPr id="5" name="Picture 10" descr="Googleスプレッドシート】表に添付されている画像をパソコンに保存する方法 – web屋が毎日書くblog">
-            <a:extLst>
-              <a:ext uri="{FF2B5EF4-FFF2-40B4-BE49-F238E27FC236}">
-                <a16:creationId xmlns:a16="http://schemas.microsoft.com/office/drawing/2014/main" id="{55684481-8200-4C9F-23AE-4B755874D346}"/>
-              </a:ext>
-            </a:extLst>
-          </p:cNvPr>
-          <p:cNvPicPr>
-            <a:picLocks noChangeAspect="1" noChangeArrowheads="1"/>
-          </p:cNvPicPr>
-          <p:nvPr/>
-        </p:nvPicPr>
-        <p:blipFill>
-          <a:blip r:embed="rId5">
-            <a:extLst>
-              <a:ext uri="{28A0092B-C50C-407E-A947-70E740481C1C}">
-                <a14:useLocalDpi xmlns:a14="http://schemas.microsoft.com/office/drawing/2010/main" val="0"/>
-              </a:ext>
-            </a:extLst>
-          </a:blip>
-          <a:srcRect/>
-          <a:stretch>
-            <a:fillRect/>
-          </a:stretch>
-        </p:blipFill>
-        <p:spPr bwMode="auto">
-          <a:xfrm>
-            <a:off x="8183440" y="1501793"/>
-            <a:ext cx="1574053" cy="1584437"/>
-          </a:xfrm>
-          <a:prstGeom prst="rect">
-            <a:avLst/>
-          </a:prstGeom>
-          <a:noFill/>
-          <a:extLst>
-            <a:ext uri="{909E8E84-426E-40DD-AFC4-6F175D3DCCD1}">
-              <a14:hiddenFill xmlns:a14="http://schemas.microsoft.com/office/drawing/2010/main">
-                <a:solidFill>
-                  <a:srgbClr val="FFFFFF"/>
-                </a:solidFill>
-              </a14:hiddenFill>
-            </a:ext>
-          </a:extLst>
-        </p:spPr>
-      </p:pic>
-      <p:pic>
-        <p:nvPicPr>
-          <p:cNvPr id="6" name="Picture 6" descr="音楽を聴くことのメリット | エステ・脱毛・美容クリニック WEB クレジット導入│株式会社トリプルクラウン">
-            <a:extLst>
-              <a:ext uri="{FF2B5EF4-FFF2-40B4-BE49-F238E27FC236}">
-                <a16:creationId xmlns:a16="http://schemas.microsoft.com/office/drawing/2014/main" id="{F0D1E740-0614-6213-60DE-EC170D680469}"/>
-              </a:ext>
-            </a:extLst>
-          </p:cNvPr>
-          <p:cNvPicPr>
-            <a:picLocks noChangeAspect="1" noChangeArrowheads="1"/>
-          </p:cNvPicPr>
-          <p:nvPr/>
-        </p:nvPicPr>
-        <p:blipFill rotWithShape="1">
-          <a:blip r:embed="rId6">
-            <a:extLst>
-              <a:ext uri="{28A0092B-C50C-407E-A947-70E740481C1C}">
-                <a14:useLocalDpi xmlns:a14="http://schemas.microsoft.com/office/drawing/2010/main" val="0"/>
-              </a:ext>
-            </a:extLst>
-          </a:blip>
-          <a:srcRect r="-5710" b="-5710"/>
-          <a:stretch/>
-        </p:blipFill>
-        <p:spPr bwMode="auto">
-          <a:xfrm>
-            <a:off x="8275348" y="4444325"/>
-            <a:ext cx="1665787" cy="1764604"/>
-          </a:xfrm>
-          <a:prstGeom prst="rect">
-            <a:avLst/>
-          </a:prstGeom>
-          <a:noFill/>
-          <a:extLst>
-            <a:ext uri="{909E8E84-426E-40DD-AFC4-6F175D3DCCD1}">
-              <a14:hiddenFill xmlns:a14="http://schemas.microsoft.com/office/drawing/2010/main">
-                <a:solidFill>
-                  <a:srgbClr val="FFFFFF"/>
-                </a:solidFill>
-              </a14:hiddenFill>
-            </a:ext>
-          </a:extLst>
-        </p:spPr>
-      </p:pic>
-      <p:pic>
-        <p:nvPicPr>
-          <p:cNvPr id="7" name="図 6">
-            <a:extLst>
-              <a:ext uri="{FF2B5EF4-FFF2-40B4-BE49-F238E27FC236}">
-                <a16:creationId xmlns:a16="http://schemas.microsoft.com/office/drawing/2014/main" id="{1D1F79FA-7873-F7BB-8A20-A621BF6E0366}"/>
-              </a:ext>
-            </a:extLst>
-          </p:cNvPr>
-          <p:cNvPicPr>
-            <a:picLocks noChangeAspect="1"/>
-          </p:cNvPicPr>
-          <p:nvPr/>
-        </p:nvPicPr>
-        <p:blipFill>
-          <a:blip r:embed="rId7"/>
-          <a:stretch>
-            <a:fillRect/>
-          </a:stretch>
-        </p:blipFill>
-        <p:spPr>
-          <a:xfrm>
-            <a:off x="3787436" y="3946598"/>
-            <a:ext cx="1948441" cy="1948441"/>
-          </a:xfrm>
-          <a:prstGeom prst="rect">
-            <a:avLst/>
-          </a:prstGeom>
-        </p:spPr>
-      </p:pic>
-      <p:sp>
-        <p:nvSpPr>
-          <p:cNvPr id="8" name="右矢印 7">
-            <a:extLst>
-              <a:ext uri="{FF2B5EF4-FFF2-40B4-BE49-F238E27FC236}">
-                <a16:creationId xmlns:a16="http://schemas.microsoft.com/office/drawing/2014/main" id="{09A8EC47-A5DD-7E20-A331-11F67D76C32A}"/>
+                <a16:creationId xmlns:a16="http://schemas.microsoft.com/office/drawing/2014/main" id="{B2500160-F10D-7500-35DE-6D54D21F983D}"/>
               </a:ext>
             </a:extLst>
           </p:cNvPr>
@@ -56610,17 +56513,125 @@
         </p:nvSpPr>
         <p:spPr>
           <a:xfrm>
-            <a:off x="2954605" y="2100672"/>
-            <a:ext cx="1131783" cy="305536"/>
+            <a:off x="1082300" y="1348484"/>
+            <a:ext cx="4980572" cy="4723257"/>
           </a:xfrm>
-          <a:prstGeom prst="rightArrow">
+          <a:prstGeom prst="roundRect">
             <a:avLst/>
           </a:prstGeom>
-          <a:solidFill>
-            <a:schemeClr val="tx2">
-              <a:lumMod val="75000"/>
+          <a:gradFill flip="none" rotWithShape="1">
+            <a:gsLst>
+              <a:gs pos="0">
+                <a:schemeClr val="tx2">
+                  <a:lumMod val="40000"/>
+                  <a:lumOff val="60000"/>
+                  <a:shade val="30000"/>
+                  <a:satMod val="115000"/>
+                </a:schemeClr>
+              </a:gs>
+              <a:gs pos="50000">
+                <a:schemeClr val="tx2">
+                  <a:lumMod val="40000"/>
+                  <a:lumOff val="60000"/>
+                  <a:shade val="67500"/>
+                  <a:satMod val="115000"/>
+                </a:schemeClr>
+              </a:gs>
+              <a:gs pos="100000">
+                <a:schemeClr val="tx2">
+                  <a:lumMod val="40000"/>
+                  <a:lumOff val="60000"/>
+                  <a:shade val="100000"/>
+                  <a:satMod val="115000"/>
+                </a:schemeClr>
+              </a:gs>
+            </a:gsLst>
+            <a:path path="circle">
+              <a:fillToRect l="100000" t="100000"/>
+            </a:path>
+            <a:tileRect r="-100000" b="-100000"/>
+          </a:gradFill>
+          <a:ln>
+            <a:noFill/>
+          </a:ln>
+        </p:spPr>
+        <p:style>
+          <a:lnRef idx="2">
+            <a:schemeClr val="accent1">
+              <a:shade val="15000"/>
             </a:schemeClr>
-          </a:solidFill>
+          </a:lnRef>
+          <a:fillRef idx="1">
+            <a:schemeClr val="accent1"/>
+          </a:fillRef>
+          <a:effectRef idx="0">
+            <a:schemeClr val="accent1"/>
+          </a:effectRef>
+          <a:fontRef idx="minor">
+            <a:schemeClr val="lt1"/>
+          </a:fontRef>
+        </p:style>
+        <p:txBody>
+          <a:bodyPr rtlCol="0" anchor="ctr"/>
+          <a:lstStyle/>
+          <a:p>
+            <a:pPr algn="ctr"/>
+            <a:endParaRPr lang="ko-KR" altLang="en-US" sz="1867" dirty="0"/>
+          </a:p>
+        </p:txBody>
+      </p:sp>
+      <p:sp>
+        <p:nvSpPr>
+          <p:cNvPr id="8" name="角丸四角形 7">
+            <a:extLst>
+              <a:ext uri="{FF2B5EF4-FFF2-40B4-BE49-F238E27FC236}">
+                <a16:creationId xmlns:a16="http://schemas.microsoft.com/office/drawing/2014/main" id="{932BC344-ADE5-A84F-C747-12BFB0764F1F}"/>
+              </a:ext>
+            </a:extLst>
+          </p:cNvPr>
+          <p:cNvSpPr/>
+          <p:nvPr/>
+        </p:nvSpPr>
+        <p:spPr>
+          <a:xfrm>
+            <a:off x="6716692" y="1340270"/>
+            <a:ext cx="5090316" cy="4870025"/>
+          </a:xfrm>
+          <a:prstGeom prst="roundRect">
+            <a:avLst/>
+          </a:prstGeom>
+          <a:gradFill flip="none" rotWithShape="1">
+            <a:gsLst>
+              <a:gs pos="0">
+                <a:schemeClr val="tx2">
+                  <a:lumMod val="40000"/>
+                  <a:lumOff val="60000"/>
+                  <a:shade val="30000"/>
+                  <a:satMod val="115000"/>
+                </a:schemeClr>
+              </a:gs>
+              <a:gs pos="50000">
+                <a:schemeClr val="tx2">
+                  <a:lumMod val="40000"/>
+                  <a:lumOff val="60000"/>
+                  <a:shade val="67500"/>
+                  <a:satMod val="115000"/>
+                </a:schemeClr>
+              </a:gs>
+              <a:gs pos="100000">
+                <a:schemeClr val="tx2">
+                  <a:lumMod val="40000"/>
+                  <a:lumOff val="60000"/>
+                  <a:shade val="100000"/>
+                  <a:satMod val="115000"/>
+                </a:schemeClr>
+              </a:gs>
+            </a:gsLst>
+            <a:path path="circle">
+              <a:fillToRect l="100000" t="100000"/>
+            </a:path>
+            <a:tileRect r="-100000" b="-100000"/>
+          </a:gradFill>
           <a:ln>
             <a:noFill/>
           </a:ln>
@@ -56652,10 +56663,10 @@
       </p:sp>
       <p:sp>
         <p:nvSpPr>
-          <p:cNvPr id="9" name="テキスト ボックス 8">
+          <p:cNvPr id="9" name="TextBox 25">
             <a:extLst>
               <a:ext uri="{FF2B5EF4-FFF2-40B4-BE49-F238E27FC236}">
-                <a16:creationId xmlns:a16="http://schemas.microsoft.com/office/drawing/2014/main" id="{3506D05C-A9A5-59DB-EB27-E8E446A1A8B0}"/>
+                <a16:creationId xmlns:a16="http://schemas.microsoft.com/office/drawing/2014/main" id="{87FA2152-99CC-A910-FCF1-F06B37481186}"/>
               </a:ext>
             </a:extLst>
           </p:cNvPr>
@@ -56664,8 +56675,120 @@
         </p:nvSpPr>
         <p:spPr>
           <a:xfrm>
-            <a:off x="2820794" y="1395510"/>
-            <a:ext cx="1665787" cy="646331"/>
+            <a:off x="697513" y="1581997"/>
+            <a:ext cx="5090316" cy="502766"/>
+          </a:xfrm>
+          <a:prstGeom prst="rect">
+            <a:avLst/>
+          </a:prstGeom>
+          <a:noFill/>
+        </p:spPr>
+        <p:txBody>
+          <a:bodyPr wrap="square" rtlCol="0">
+            <a:spAutoFit/>
+          </a:bodyPr>
+          <a:lstStyle/>
+          <a:p>
+            <a:pPr algn="ctr"/>
+            <a:r>
+              <a:rPr lang="ja-JP" altLang="en-US" sz="2667" dirty="0">
+                <a:latin typeface="Meiryo UI" panose="020B0604030504040204" pitchFamily="34" charset="-128"/>
+                <a:ea typeface="Meiryo UI" panose="020B0604030504040204" pitchFamily="34" charset="-128"/>
+              </a:rPr>
+              <a:t>機能１</a:t>
+            </a:r>
+            <a:endParaRPr lang="ko-KR" altLang="en-US" sz="2667" dirty="0"/>
+          </a:p>
+        </p:txBody>
+      </p:sp>
+      <p:sp>
+        <p:nvSpPr>
+          <p:cNvPr id="10" name="TextBox 9">
+            <a:extLst>
+              <a:ext uri="{FF2B5EF4-FFF2-40B4-BE49-F238E27FC236}">
+                <a16:creationId xmlns:a16="http://schemas.microsoft.com/office/drawing/2014/main" id="{5295D516-E1E9-3997-3CEC-63B9A2DB325B}"/>
+              </a:ext>
+            </a:extLst>
+          </p:cNvPr>
+          <p:cNvSpPr txBox="1"/>
+          <p:nvPr/>
+        </p:nvSpPr>
+        <p:spPr>
+          <a:xfrm>
+            <a:off x="955333" y="2598003"/>
+            <a:ext cx="5021283" cy="830997"/>
+          </a:xfrm>
+          <a:prstGeom prst="rect">
+            <a:avLst/>
+          </a:prstGeom>
+          <a:noFill/>
+        </p:spPr>
+        <p:txBody>
+          <a:bodyPr wrap="square" rtlCol="0">
+            <a:spAutoFit/>
+          </a:bodyPr>
+          <a:lstStyle/>
+          <a:p>
+            <a:pPr algn="ctr"/>
+            <a:r>
+              <a:rPr lang="en-US" altLang="ja-JP" sz="2400">
+                <a:latin typeface="Meiryo UI" panose="020B0604030504040204" pitchFamily="34" charset="-128"/>
+                <a:ea typeface="Meiryo UI" panose="020B0604030504040204" pitchFamily="34" charset="-128"/>
+              </a:rPr>
+              <a:t>Spotify</a:t>
+            </a:r>
+            <a:r>
+              <a:rPr lang="ja-JP" altLang="en-US" sz="2400">
+                <a:latin typeface="Meiryo UI" panose="020B0604030504040204" pitchFamily="34" charset="-128"/>
+                <a:ea typeface="Meiryo UI" panose="020B0604030504040204" pitchFamily="34" charset="-128"/>
+              </a:rPr>
+              <a:t>から</a:t>
+            </a:r>
+            <a:r>
+              <a:rPr lang="ja-JP" altLang="en-US" sz="2400" dirty="0">
+                <a:latin typeface="Meiryo UI" panose="020B0604030504040204" pitchFamily="34" charset="-128"/>
+                <a:ea typeface="Meiryo UI" panose="020B0604030504040204" pitchFamily="34" charset="-128"/>
+              </a:rPr>
+              <a:t>季節</a:t>
+            </a:r>
+            <a:r>
+              <a:rPr lang="ja-JP" altLang="en-US" sz="2400">
+                <a:latin typeface="Meiryo UI" panose="020B0604030504040204" pitchFamily="34" charset="-128"/>
+                <a:ea typeface="Meiryo UI" panose="020B0604030504040204" pitchFamily="34" charset="-128"/>
+              </a:rPr>
+              <a:t>の</a:t>
+            </a:r>
+            <a:r>
+              <a:rPr lang="ja-JP" altLang="en-US" sz="2400" dirty="0">
+                <a:latin typeface="Meiryo UI" panose="020B0604030504040204" pitchFamily="34" charset="-128"/>
+                <a:ea typeface="Meiryo UI" panose="020B0604030504040204" pitchFamily="34" charset="-128"/>
+              </a:rPr>
+              <a:t>プレイリストを取得</a:t>
+            </a:r>
+            <a:endParaRPr lang="ko-KR" altLang="en-US" sz="2400" dirty="0"/>
+          </a:p>
+          <a:p>
+            <a:pPr algn="ctr"/>
+            <a:endParaRPr lang="ko-KR" altLang="en-US" sz="2400" dirty="0"/>
+          </a:p>
+        </p:txBody>
+      </p:sp>
+      <p:sp>
+        <p:nvSpPr>
+          <p:cNvPr id="11" name="TextBox 11">
+            <a:extLst>
+              <a:ext uri="{FF2B5EF4-FFF2-40B4-BE49-F238E27FC236}">
+                <a16:creationId xmlns:a16="http://schemas.microsoft.com/office/drawing/2014/main" id="{01263C7D-65A9-9682-FDA6-4F254857D8BD}"/>
+              </a:ext>
+            </a:extLst>
+          </p:cNvPr>
+          <p:cNvSpPr txBox="1"/>
+          <p:nvPr/>
+        </p:nvSpPr>
+        <p:spPr>
+          <a:xfrm>
+            <a:off x="1541651" y="4968865"/>
+            <a:ext cx="4829033" cy="1241430"/>
           </a:xfrm>
           <a:prstGeom prst="rect">
             <a:avLst/>
@@ -56679,75 +56802,48 @@
           <a:lstStyle/>
           <a:p>
             <a:r>
-              <a:rPr kumimoji="1" lang="ja-JP" altLang="en-US" sz="1800">
-                <a:latin typeface="+mn-ea"/>
-                <a:ea typeface="+mn-ea"/>
+              <a:rPr lang="ja-JP" altLang="en-US" sz="2667" dirty="0">
+                <a:latin typeface="Meiryo UI" panose="020B0604030504040204" pitchFamily="34" charset="-128"/>
+                <a:ea typeface="Meiryo UI" panose="020B0604030504040204" pitchFamily="34" charset="-128"/>
               </a:rPr>
-              <a:t>室内からの温度取得</a:t>
+              <a:t>吉⽥朔⼤、</a:t>
             </a:r>
+            <a:r>
+              <a:rPr lang="en-US" altLang="ja-JP" sz="2667" dirty="0">
+                <a:latin typeface="Meiryo UI" panose="020B0604030504040204" pitchFamily="34" charset="-128"/>
+                <a:ea typeface="Meiryo UI" panose="020B0604030504040204" pitchFamily="34" charset="-128"/>
+              </a:rPr>
+              <a:t> CHO </a:t>
+            </a:r>
+            <a:r>
+              <a:rPr lang="en-US" altLang="ja-JP" sz="2667" dirty="0" err="1">
+                <a:latin typeface="Meiryo UI" panose="020B0604030504040204" pitchFamily="34" charset="-128"/>
+                <a:ea typeface="Meiryo UI" panose="020B0604030504040204" pitchFamily="34" charset="-128"/>
+              </a:rPr>
+              <a:t>Seongjun</a:t>
+            </a:r>
+            <a:endParaRPr lang="ja-JP" altLang="en-US" sz="2667" dirty="0">
+              <a:latin typeface="Meiryo UI" panose="020B0604030504040204" pitchFamily="34" charset="-128"/>
+              <a:ea typeface="Meiryo UI" panose="020B0604030504040204" pitchFamily="34" charset="-128"/>
+            </a:endParaRPr>
+          </a:p>
+          <a:p>
+            <a:endParaRPr lang="ja-JP" altLang="en-US" sz="2400" dirty="0">
+              <a:latin typeface="Meiryo UI" panose="020B0604030504040204" pitchFamily="34" charset="-128"/>
+              <a:ea typeface="Meiryo UI" panose="020B0604030504040204" pitchFamily="34" charset="-128"/>
+            </a:endParaRPr>
+          </a:p>
+          <a:p>
+            <a:endParaRPr lang="ko-KR" altLang="en-US" sz="2400" dirty="0"/>
           </a:p>
         </p:txBody>
       </p:sp>
       <p:sp>
         <p:nvSpPr>
-          <p:cNvPr id="10" name="右矢印 9">
+          <p:cNvPr id="12" name="TextBox 26">
             <a:extLst>
               <a:ext uri="{FF2B5EF4-FFF2-40B4-BE49-F238E27FC236}">
-                <a16:creationId xmlns:a16="http://schemas.microsoft.com/office/drawing/2014/main" id="{3DF0A922-6BD4-D75F-2768-B4F10D8C86D7}"/>
-              </a:ext>
-            </a:extLst>
-          </p:cNvPr>
-          <p:cNvSpPr/>
-          <p:nvPr/>
-        </p:nvSpPr>
-        <p:spPr>
-          <a:xfrm>
-            <a:off x="6605178" y="1933224"/>
-            <a:ext cx="1059271" cy="305536"/>
-          </a:xfrm>
-          <a:prstGeom prst="rightArrow">
-            <a:avLst/>
-          </a:prstGeom>
-          <a:solidFill>
-            <a:schemeClr val="tx2">
-              <a:lumMod val="75000"/>
-            </a:schemeClr>
-          </a:solidFill>
-          <a:ln>
-            <a:noFill/>
-          </a:ln>
-        </p:spPr>
-        <p:style>
-          <a:lnRef idx="2">
-            <a:schemeClr val="accent1">
-              <a:shade val="15000"/>
-            </a:schemeClr>
-          </a:lnRef>
-          <a:fillRef idx="1">
-            <a:schemeClr val="accent1"/>
-          </a:fillRef>
-          <a:effectRef idx="0">
-            <a:schemeClr val="accent1"/>
-          </a:effectRef>
-          <a:fontRef idx="minor">
-            <a:schemeClr val="lt1"/>
-          </a:fontRef>
-        </p:style>
-        <p:txBody>
-          <a:bodyPr rtlCol="0" anchor="ctr"/>
-          <a:lstStyle/>
-          <a:p>
-            <a:pPr algn="ctr"/>
-            <a:endParaRPr kumimoji="1" lang="ja-JP" altLang="en-US" sz="2400"/>
-          </a:p>
-        </p:txBody>
-      </p:sp>
-      <p:sp>
-        <p:nvSpPr>
-          <p:cNvPr id="11" name="テキスト ボックス 10">
-            <a:extLst>
-              <a:ext uri="{FF2B5EF4-FFF2-40B4-BE49-F238E27FC236}">
-                <a16:creationId xmlns:a16="http://schemas.microsoft.com/office/drawing/2014/main" id="{38E91356-926A-4C58-FD14-2870A674F4D4}"/>
+                <a16:creationId xmlns:a16="http://schemas.microsoft.com/office/drawing/2014/main" id="{243FE28F-B349-9611-71AB-DF25C53B49D9}"/>
               </a:ext>
             </a:extLst>
           </p:cNvPr>
@@ -56756,8 +56852,88 @@
         </p:nvSpPr>
         <p:spPr>
           <a:xfrm>
-            <a:off x="6219992" y="1499785"/>
-            <a:ext cx="2055356" cy="369332"/>
+            <a:off x="6771689" y="1936372"/>
+            <a:ext cx="5090316" cy="502766"/>
+          </a:xfrm>
+          <a:prstGeom prst="rect">
+            <a:avLst/>
+          </a:prstGeom>
+          <a:noFill/>
+        </p:spPr>
+        <p:txBody>
+          <a:bodyPr wrap="square" rtlCol="0">
+            <a:spAutoFit/>
+          </a:bodyPr>
+          <a:lstStyle/>
+          <a:p>
+            <a:pPr algn="ctr"/>
+            <a:r>
+              <a:rPr lang="ja-JP" altLang="en-US" sz="2667" dirty="0">
+                <a:latin typeface="Meiryo UI" panose="020B0604030504040204" pitchFamily="34" charset="-128"/>
+                <a:ea typeface="Meiryo UI" panose="020B0604030504040204" pitchFamily="34" charset="-128"/>
+              </a:rPr>
+              <a:t>機能２</a:t>
+            </a:r>
+            <a:endParaRPr lang="ko-KR" altLang="en-US" sz="2667" dirty="0"/>
+          </a:p>
+        </p:txBody>
+      </p:sp>
+      <p:sp>
+        <p:nvSpPr>
+          <p:cNvPr id="13" name="TextBox 10">
+            <a:extLst>
+              <a:ext uri="{FF2B5EF4-FFF2-40B4-BE49-F238E27FC236}">
+                <a16:creationId xmlns:a16="http://schemas.microsoft.com/office/drawing/2014/main" id="{1BC43A7A-CFCA-0F22-4D3A-BA36234CA1CB}"/>
+              </a:ext>
+            </a:extLst>
+          </p:cNvPr>
+          <p:cNvSpPr txBox="1"/>
+          <p:nvPr/>
+        </p:nvSpPr>
+        <p:spPr>
+          <a:xfrm>
+            <a:off x="6802947" y="3177617"/>
+            <a:ext cx="5090316" cy="913199"/>
+          </a:xfrm>
+          <a:prstGeom prst="rect">
+            <a:avLst/>
+          </a:prstGeom>
+          <a:noFill/>
+        </p:spPr>
+        <p:txBody>
+          <a:bodyPr wrap="square" rtlCol="0">
+            <a:spAutoFit/>
+          </a:bodyPr>
+          <a:lstStyle/>
+          <a:p>
+            <a:pPr algn="ctr"/>
+            <a:r>
+              <a:rPr lang="ja-JP" altLang="en-US" sz="2667">
+                <a:latin typeface="Meiryo UI" panose="020B0604030504040204" pitchFamily="34" charset="-128"/>
+                <a:ea typeface="Meiryo UI" panose="020B0604030504040204" pitchFamily="34" charset="-128"/>
+              </a:rPr>
+              <a:t>温度を取得し、それをスプレッドシートに記入</a:t>
+            </a:r>
+            <a:endParaRPr lang="ko-KR" altLang="en-US" sz="2667" dirty="0"/>
+          </a:p>
+        </p:txBody>
+      </p:sp>
+      <p:sp>
+        <p:nvSpPr>
+          <p:cNvPr id="14" name="TextBox 12">
+            <a:extLst>
+              <a:ext uri="{FF2B5EF4-FFF2-40B4-BE49-F238E27FC236}">
+                <a16:creationId xmlns:a16="http://schemas.microsoft.com/office/drawing/2014/main" id="{CAC245F6-799D-8751-36C5-743F96B1AA85}"/>
+              </a:ext>
+            </a:extLst>
+          </p:cNvPr>
+          <p:cNvSpPr txBox="1"/>
+          <p:nvPr/>
+        </p:nvSpPr>
+        <p:spPr>
+          <a:xfrm>
+            <a:off x="7474415" y="4968865"/>
+            <a:ext cx="3747381" cy="872098"/>
           </a:xfrm>
           <a:prstGeom prst="rect">
             <a:avLst/>
@@ -56771,65 +56947,24 @@
           <a:lstStyle/>
           <a:p>
             <a:r>
-              <a:rPr kumimoji="1" lang="ja-JP" altLang="en-US" sz="1800">
-                <a:latin typeface="+mn-ea"/>
-                <a:ea typeface="+mn-ea"/>
-                <a:cs typeface="Arial" panose="020B0604020202020204" pitchFamily="34" charset="0"/>
+              <a:rPr lang="ja-JP" altLang="en-US" sz="2667" dirty="0">
+                <a:latin typeface="Meiryo UI" panose="020B0604030504040204" pitchFamily="34" charset="-128"/>
+                <a:ea typeface="Meiryo UI" panose="020B0604030504040204" pitchFamily="34" charset="-128"/>
               </a:rPr>
-              <a:t>温度の書き込み</a:t>
+              <a:t>北⽥颯太郎、⼭⽥稔登</a:t>
             </a:r>
-            <a:endParaRPr kumimoji="1" lang="en-US" altLang="ja-JP" sz="1800" dirty="0">
-              <a:latin typeface="+mn-ea"/>
-              <a:ea typeface="+mn-ea"/>
-              <a:cs typeface="Arial" panose="020B0604020202020204" pitchFamily="34" charset="0"/>
-            </a:endParaRPr>
           </a:p>
-        </p:txBody>
-      </p:sp>
-      <p:sp>
-        <p:nvSpPr>
-          <p:cNvPr id="16" name="テキスト ボックス 15">
-            <a:extLst>
-              <a:ext uri="{FF2B5EF4-FFF2-40B4-BE49-F238E27FC236}">
-                <a16:creationId xmlns:a16="http://schemas.microsoft.com/office/drawing/2014/main" id="{C6E07229-AD90-3139-9E97-E61B05012DC1}"/>
-              </a:ext>
-            </a:extLst>
-          </p:cNvPr>
-          <p:cNvSpPr txBox="1"/>
-          <p:nvPr/>
-        </p:nvSpPr>
-        <p:spPr>
-          <a:xfrm>
-            <a:off x="6502400" y="5359956"/>
-            <a:ext cx="1665787" cy="369332"/>
-          </a:xfrm>
-          <a:prstGeom prst="rect">
-            <a:avLst/>
-          </a:prstGeom>
-          <a:noFill/>
-        </p:spPr>
-        <p:txBody>
-          <a:bodyPr wrap="square" rtlCol="0">
-            <a:spAutoFit/>
-          </a:bodyPr>
-          <a:lstStyle/>
           <a:p>
-            <a:r>
-              <a:rPr kumimoji="1" lang="ja-JP" altLang="en-US" sz="1800">
-                <a:latin typeface="+mn-ea"/>
-                <a:ea typeface="+mn-ea"/>
-              </a:rPr>
-              <a:t>曲を流す</a:t>
-            </a:r>
+            <a:endParaRPr lang="ko-KR" altLang="en-US" sz="2400" dirty="0"/>
           </a:p>
         </p:txBody>
       </p:sp>
       <p:cxnSp>
         <p:nvCxnSpPr>
-          <p:cNvPr id="18" name="직선 연결선 17">
+          <p:cNvPr id="5" name="직선 연결선 4">
             <a:extLst>
               <a:ext uri="{FF2B5EF4-FFF2-40B4-BE49-F238E27FC236}">
-                <a16:creationId xmlns:a16="http://schemas.microsoft.com/office/drawing/2014/main" id="{58955BC3-AE63-A8EC-4700-917A8487C4C9}"/>
+                <a16:creationId xmlns:a16="http://schemas.microsoft.com/office/drawing/2014/main" id="{8238EE7F-332E-59D3-B9E6-B76BB2F83F0B}"/>
               </a:ext>
             </a:extLst>
           </p:cNvPr>
@@ -56840,8 +56975,8 @@
         </p:nvCxnSpPr>
         <p:spPr>
           <a:xfrm>
-            <a:off x="755650" y="827496"/>
-            <a:ext cx="11493500" cy="0"/>
+            <a:off x="697513" y="786259"/>
+            <a:ext cx="11494487" cy="0"/>
           </a:xfrm>
           <a:prstGeom prst="line">
             <a:avLst/>
@@ -56865,10 +57000,10 @@
       </p:cxnSp>
       <p:sp>
         <p:nvSpPr>
-          <p:cNvPr id="19" name="TextBox 18">
+          <p:cNvPr id="7" name="TextBox 6">
             <a:extLst>
               <a:ext uri="{FF2B5EF4-FFF2-40B4-BE49-F238E27FC236}">
-                <a16:creationId xmlns:a16="http://schemas.microsoft.com/office/drawing/2014/main" id="{FA85A87B-366B-A9FC-63DC-D2D246C5B0CD}"/>
+                <a16:creationId xmlns:a16="http://schemas.microsoft.com/office/drawing/2014/main" id="{734169EC-5AC4-789E-215F-864D6A0B2E49}"/>
               </a:ext>
             </a:extLst>
           </p:cNvPr>
@@ -56877,8 +57012,8 @@
         </p:nvSpPr>
         <p:spPr>
           <a:xfrm>
-            <a:off x="4086388" y="3289264"/>
-            <a:ext cx="3139034" cy="553998"/>
+            <a:off x="955333" y="3529559"/>
+            <a:ext cx="5021283" cy="461665"/>
           </a:xfrm>
           <a:prstGeom prst="rect">
             <a:avLst/>
@@ -56891,137 +57026,22 @@
           </a:bodyPr>
           <a:lstStyle/>
           <a:p>
+            <a:pPr algn="ctr"/>
             <a:r>
-              <a:rPr lang="ja-JP" altLang="en-US" sz="1600">
-                <a:latin typeface="+mn-ea"/>
-                <a:ea typeface="+mn-ea"/>
-                <a:cs typeface="Arial" panose="020B0604020202020204" pitchFamily="34" charset="0"/>
+              <a:rPr lang="ja-JP" altLang="en-US" sz="2400">
+                <a:latin typeface="Meiryo UI" panose="020B0604030504040204" pitchFamily="34" charset="-128"/>
+                <a:ea typeface="Meiryo UI" panose="020B0604030504040204" pitchFamily="34" charset="-128"/>
               </a:rPr>
-              <a:t>温度に応じたプレイリスト要求</a:t>
+              <a:t>曲情報、プレイリスト編集、再生</a:t>
             </a:r>
-            <a:endParaRPr lang="en-US" altLang="ja-JP" sz="1600">
-              <a:latin typeface="+mn-ea"/>
-              <a:ea typeface="+mn-ea"/>
-              <a:cs typeface="Arial" panose="020B0604020202020204" pitchFamily="34" charset="0"/>
-            </a:endParaRPr>
-          </a:p>
-          <a:p>
-            <a:endParaRPr lang="ko-KR" altLang="en-US"/>
-          </a:p>
-        </p:txBody>
-      </p:sp>
-      <p:sp>
-        <p:nvSpPr>
-          <p:cNvPr id="26" name="左矢印 14">
-            <a:extLst>
-              <a:ext uri="{FF2B5EF4-FFF2-40B4-BE49-F238E27FC236}">
-                <a16:creationId xmlns:a16="http://schemas.microsoft.com/office/drawing/2014/main" id="{BC5521D0-969D-7C45-143C-E833FA0C5D3D}"/>
-              </a:ext>
-            </a:extLst>
-          </p:cNvPr>
-          <p:cNvSpPr/>
-          <p:nvPr/>
-        </p:nvSpPr>
-        <p:spPr>
-          <a:xfrm rot="19256133">
-            <a:off x="6106631" y="3704477"/>
-            <a:ext cx="1698284" cy="302368"/>
-          </a:xfrm>
-          <a:prstGeom prst="leftArrow">
-            <a:avLst/>
-          </a:prstGeom>
-          <a:solidFill>
-            <a:schemeClr val="tx2">
-              <a:lumMod val="75000"/>
-            </a:schemeClr>
-          </a:solidFill>
-          <a:ln>
-            <a:noFill/>
-          </a:ln>
-        </p:spPr>
-        <p:style>
-          <a:lnRef idx="2">
-            <a:schemeClr val="accent1">
-              <a:shade val="15000"/>
-            </a:schemeClr>
-          </a:lnRef>
-          <a:fillRef idx="1">
-            <a:schemeClr val="accent1"/>
-          </a:fillRef>
-          <a:effectRef idx="0">
-            <a:schemeClr val="accent1"/>
-          </a:effectRef>
-          <a:fontRef idx="minor">
-            <a:schemeClr val="lt1"/>
-          </a:fontRef>
-        </p:style>
-        <p:txBody>
-          <a:bodyPr rtlCol="0" anchor="ctr"/>
-          <a:lstStyle/>
-          <a:p>
-            <a:pPr algn="ctr"/>
-            <a:endParaRPr kumimoji="1" lang="ja-JP" altLang="en-US" sz="2400"/>
-          </a:p>
-        </p:txBody>
-      </p:sp>
-      <p:sp>
-        <p:nvSpPr>
-          <p:cNvPr id="28" name="左矢印 14">
-            <a:extLst>
-              <a:ext uri="{FF2B5EF4-FFF2-40B4-BE49-F238E27FC236}">
-                <a16:creationId xmlns:a16="http://schemas.microsoft.com/office/drawing/2014/main" id="{9C8DE551-ED87-0A99-6181-80453E880809}"/>
-              </a:ext>
-            </a:extLst>
-          </p:cNvPr>
-          <p:cNvSpPr/>
-          <p:nvPr/>
-        </p:nvSpPr>
-        <p:spPr>
-          <a:xfrm rot="10800000">
-            <a:off x="6219992" y="4946443"/>
-            <a:ext cx="1611497" cy="302368"/>
-          </a:xfrm>
-          <a:prstGeom prst="leftArrow">
-            <a:avLst/>
-          </a:prstGeom>
-          <a:solidFill>
-            <a:schemeClr val="tx2">
-              <a:lumMod val="75000"/>
-            </a:schemeClr>
-          </a:solidFill>
-          <a:ln>
-            <a:noFill/>
-          </a:ln>
-        </p:spPr>
-        <p:style>
-          <a:lnRef idx="2">
-            <a:schemeClr val="accent1">
-              <a:shade val="15000"/>
-            </a:schemeClr>
-          </a:lnRef>
-          <a:fillRef idx="1">
-            <a:schemeClr val="accent1"/>
-          </a:fillRef>
-          <a:effectRef idx="0">
-            <a:schemeClr val="accent1"/>
-          </a:effectRef>
-          <a:fontRef idx="minor">
-            <a:schemeClr val="lt1"/>
-          </a:fontRef>
-        </p:style>
-        <p:txBody>
-          <a:bodyPr rtlCol="0" anchor="ctr"/>
-          <a:lstStyle/>
-          <a:p>
-            <a:pPr algn="ctr"/>
-            <a:endParaRPr kumimoji="1" lang="ja-JP" altLang="en-US" sz="2400"/>
+            <a:endParaRPr lang="ko-KR" altLang="en-US" sz="2400" dirty="0"/>
           </a:p>
         </p:txBody>
       </p:sp>
     </p:spTree>
     <p:extLst>
       <p:ext uri="{BB962C8B-B14F-4D97-AF65-F5344CB8AC3E}">
-        <p14:creationId xmlns:p14="http://schemas.microsoft.com/office/powerpoint/2010/main" val="3253503075"/>
+        <p14:creationId xmlns:p14="http://schemas.microsoft.com/office/powerpoint/2010/main" val="3857985625"/>
       </p:ext>
     </p:extLst>
   </p:cSld>
